--- a/Slides/11_DataModeling_TrainingPlan.pptx
+++ b/Slides/11_DataModeling_TrainingPlan.pptx
@@ -220,7 +220,7 @@
           <a:p>
             <a:fld id="{4137A97C-D894-46E7-B5B8-E9DF4B14B99A}" type="datetimeFigureOut">
               <a:rPr lang="en-US" smtClean="0"/>
-              <a:t>2/4/2018</a:t>
+              <a:t>7/18/2018</a:t>
             </a:fld>
             <a:endParaRPr lang="en-US"/>
           </a:p>
@@ -284,38 +284,37 @@
           <a:p>
             <a:pPr lvl="0"/>
             <a:r>
-              <a:rPr lang="en-US" smtClean="0"/>
+              <a:rPr lang="en-US"/>
               <a:t>Click to edit Master text styles</a:t>
             </a:r>
           </a:p>
           <a:p>
             <a:pPr lvl="1"/>
             <a:r>
-              <a:rPr lang="en-US" smtClean="0"/>
+              <a:rPr lang="en-US"/>
               <a:t>Second level</a:t>
             </a:r>
           </a:p>
           <a:p>
             <a:pPr lvl="2"/>
             <a:r>
-              <a:rPr lang="en-US" smtClean="0"/>
+              <a:rPr lang="en-US"/>
               <a:t>Third level</a:t>
             </a:r>
           </a:p>
           <a:p>
             <a:pPr lvl="3"/>
             <a:r>
-              <a:rPr lang="en-US" smtClean="0"/>
+              <a:rPr lang="en-US"/>
               <a:t>Fourth level</a:t>
             </a:r>
           </a:p>
           <a:p>
             <a:pPr lvl="4"/>
             <a:r>
-              <a:rPr lang="en-US" smtClean="0"/>
+              <a:rPr lang="en-US"/>
               <a:t>Fifth level</a:t>
             </a:r>
-            <a:endParaRPr lang="en-US"/>
           </a:p>
         </p:txBody>
       </p:sp>
@@ -621,7 +620,7 @@
               <a:buChar char="•"/>
             </a:pPr>
             <a:r>
-              <a:rPr lang="en-US" dirty="0" smtClean="0"/>
+              <a:rPr lang="en-US" dirty="0"/>
               <a:t>First normal form is ensuring there are no repeating groups and an attribute holds only one value.</a:t>
             </a:r>
           </a:p>
@@ -631,11 +630,11 @@
               <a:buChar char="•"/>
             </a:pPr>
             <a:r>
-              <a:rPr lang="en-US" dirty="0" smtClean="0"/>
+              <a:rPr lang="en-US" dirty="0"/>
               <a:t>For example</a:t>
             </a:r>
             <a:r>
-              <a:rPr lang="en-US" baseline="0" dirty="0" smtClean="0"/>
+              <a:rPr lang="en-US" baseline="0" dirty="0"/>
               <a:t> address includes the number, street name, city, state and zip code.</a:t>
             </a:r>
           </a:p>
@@ -645,7 +644,7 @@
               <a:buChar char="•"/>
             </a:pPr>
             <a:r>
-              <a:rPr lang="en-US" baseline="0" dirty="0" smtClean="0"/>
+              <a:rPr lang="en-US" baseline="0" dirty="0"/>
               <a:t>We call of this the address, but it can all be broken down as well.</a:t>
             </a:r>
           </a:p>
@@ -655,7 +654,7 @@
               <a:buChar char="•"/>
             </a:pPr>
             <a:r>
-              <a:rPr lang="en-US" baseline="0" dirty="0" smtClean="0"/>
+              <a:rPr lang="en-US" baseline="0" dirty="0"/>
               <a:t>So we could put the number and street name in a separate column, city in a separate column, state in a separate column and zip in a separate column</a:t>
             </a:r>
           </a:p>
@@ -665,7 +664,7 @@
               <a:buChar char="•"/>
             </a:pPr>
             <a:r>
-              <a:rPr lang="en-US" baseline="0" dirty="0" smtClean="0"/>
+              <a:rPr lang="en-US" baseline="0" dirty="0"/>
               <a:t>We also want to define a primary key.</a:t>
             </a:r>
             <a:endParaRPr lang="en-US" dirty="0"/>
@@ -845,11 +844,11 @@
               <a:buChar char="•"/>
             </a:pPr>
             <a:r>
-              <a:rPr lang="en-US" dirty="0" smtClean="0"/>
+              <a:rPr lang="en-US" dirty="0"/>
               <a:t>Wow that sounds confusing</a:t>
             </a:r>
             <a:r>
-              <a:rPr lang="en-US" baseline="0" dirty="0" smtClean="0"/>
+              <a:rPr lang="en-US" baseline="0" dirty="0"/>
               <a:t> doesn’t it?</a:t>
             </a:r>
           </a:p>
@@ -859,11 +858,11 @@
               <a:buChar char="•"/>
             </a:pPr>
             <a:r>
-              <a:rPr lang="en-US" dirty="0" smtClean="0"/>
+              <a:rPr lang="en-US" dirty="0"/>
               <a:t>It really just means that we need to</a:t>
             </a:r>
             <a:r>
-              <a:rPr lang="en-US" baseline="0" dirty="0" smtClean="0"/>
+              <a:rPr lang="en-US" baseline="0" dirty="0"/>
               <a:t> look for any other subsets of data that are dependent on only part of the candidate key.</a:t>
             </a:r>
           </a:p>
@@ -873,7 +872,7 @@
               <a:buChar char="•"/>
             </a:pPr>
             <a:r>
-              <a:rPr lang="en-US" baseline="0" dirty="0" smtClean="0"/>
+              <a:rPr lang="en-US" baseline="0" dirty="0"/>
               <a:t>For example you have been given data about a family that contains their names, ages, gender, address, and classes that they signed up for at the Local YMCA that includes the name, room, and time of the class.</a:t>
             </a:r>
           </a:p>
@@ -883,15 +882,15 @@
               <a:buChar char="•"/>
             </a:pPr>
             <a:r>
-              <a:rPr lang="en-US" baseline="0" dirty="0" smtClean="0"/>
+              <a:rPr lang="en-US" baseline="0" dirty="0"/>
               <a:t>The candidate key would likely be made up of the persons social security number or </a:t>
             </a:r>
             <a:r>
-              <a:rPr lang="en-US" baseline="0" dirty="0" err="1" smtClean="0"/>
+              <a:rPr lang="en-US" baseline="0" dirty="0" err="1"/>
               <a:t>persion</a:t>
             </a:r>
             <a:r>
-              <a:rPr lang="en-US" baseline="0" dirty="0" smtClean="0"/>
+              <a:rPr lang="en-US" baseline="0" dirty="0"/>
               <a:t> id along with the class id.</a:t>
             </a:r>
           </a:p>
@@ -901,7 +900,7 @@
               <a:buChar char="•"/>
             </a:pPr>
             <a:r>
-              <a:rPr lang="en-US" baseline="0" dirty="0" smtClean="0"/>
+              <a:rPr lang="en-US" baseline="0" dirty="0"/>
               <a:t>The class info is only partially dependent on the full key of the person id and class id because it can live on it’s own only being dependent on the class id.</a:t>
             </a:r>
           </a:p>
@@ -911,7 +910,7 @@
               <a:buChar char="•"/>
             </a:pPr>
             <a:r>
-              <a:rPr lang="en-US" baseline="0" dirty="0" smtClean="0"/>
+              <a:rPr lang="en-US" baseline="0" dirty="0"/>
               <a:t>So we would break this out as a separate class entity.</a:t>
             </a:r>
           </a:p>
@@ -1090,7 +1089,7 @@
               <a:buChar char="•"/>
             </a:pPr>
             <a:r>
-              <a:rPr lang="en-US" dirty="0" smtClean="0"/>
+              <a:rPr lang="en-US" dirty="0"/>
               <a:t>This is very similar to what we did with second normal form.</a:t>
             </a:r>
           </a:p>
@@ -1100,7 +1099,7 @@
               <a:buChar char="•"/>
             </a:pPr>
             <a:r>
-              <a:rPr lang="en-US" dirty="0" smtClean="0"/>
+              <a:rPr lang="en-US" dirty="0"/>
               <a:t>The difference here is that transitive dependencies are dependent on non key attributes</a:t>
             </a:r>
           </a:p>
@@ -1110,7 +1109,7 @@
               <a:buChar char="•"/>
             </a:pPr>
             <a:r>
-              <a:rPr lang="en-US" baseline="0" dirty="0" smtClean="0"/>
+              <a:rPr lang="en-US" baseline="0" dirty="0"/>
               <a:t>From our previous example about our family data</a:t>
             </a:r>
           </a:p>
@@ -1120,7 +1119,7 @@
               <a:buChar char="•"/>
             </a:pPr>
             <a:r>
-              <a:rPr lang="en-US" baseline="0" dirty="0" smtClean="0"/>
+              <a:rPr lang="en-US" baseline="0" dirty="0"/>
               <a:t>They all live at the same house so if we put the data in a table like this, the address would be repeated multiple times and cause anomalies.</a:t>
             </a:r>
           </a:p>
@@ -1130,10 +1129,10 @@
               <a:buChar char="•"/>
             </a:pPr>
             <a:r>
-              <a:rPr lang="en-US" baseline="0" dirty="0" smtClean="0"/>
+              <a:rPr lang="en-US" baseline="0" dirty="0"/>
               <a:t>Second normal form tells us to take address and create a new entity out of it because it can live on it’s own with it’s own candidate key.</a:t>
             </a:r>
-            <a:endParaRPr lang="en-US" dirty="0" smtClean="0"/>
+            <a:endParaRPr lang="en-US" dirty="0"/>
           </a:p>
           <a:p>
             <a:pPr marL="171450" indent="-171450">
@@ -1317,7 +1316,7 @@
               <a:buChar char="•"/>
             </a:pPr>
             <a:r>
-              <a:rPr lang="en-US" sz="1200" kern="1200" dirty="0" smtClean="0">
+              <a:rPr lang="en-US" sz="1200" kern="1200" dirty="0">
                 <a:solidFill>
                   <a:schemeClr val="tx1"/>
                 </a:solidFill>
@@ -1335,7 +1334,7 @@
               <a:buChar char="•"/>
             </a:pPr>
             <a:r>
-              <a:rPr lang="en-US" sz="1200" kern="1200" dirty="0" smtClean="0">
+              <a:rPr lang="en-US" sz="1200" kern="1200" dirty="0">
                 <a:solidFill>
                   <a:schemeClr val="tx1"/>
                 </a:solidFill>
@@ -1353,7 +1352,7 @@
               <a:buChar char="•"/>
             </a:pPr>
             <a:r>
-              <a:rPr lang="en-US" sz="1200" kern="1200" dirty="0" smtClean="0">
+              <a:rPr lang="en-US" sz="1200" kern="1200" dirty="0">
                 <a:solidFill>
                   <a:schemeClr val="tx1"/>
                 </a:solidFill>
@@ -1543,11 +1542,11 @@
               <a:buChar char="•"/>
             </a:pPr>
             <a:r>
-              <a:rPr lang="en-US" dirty="0" smtClean="0"/>
+              <a:rPr lang="en-US" dirty="0"/>
               <a:t>A table is for the most part a</a:t>
             </a:r>
             <a:r>
-              <a:rPr lang="en-US" baseline="0" dirty="0" smtClean="0"/>
+              <a:rPr lang="en-US" baseline="0" dirty="0"/>
               <a:t> relation.  It is the definition of what can be stored.</a:t>
             </a:r>
           </a:p>
@@ -1557,7 +1556,7 @@
               <a:buChar char="•"/>
             </a:pPr>
             <a:r>
-              <a:rPr lang="en-US" baseline="0" dirty="0" smtClean="0"/>
+              <a:rPr lang="en-US" baseline="0" dirty="0"/>
               <a:t>A table has columns which are the attributes that define the parts of a table like first name, last name, social security, etc. for an employee table</a:t>
             </a:r>
           </a:p>
@@ -1567,7 +1566,7 @@
               <a:buChar char="•"/>
             </a:pPr>
             <a:r>
-              <a:rPr lang="en-US" baseline="0" dirty="0" smtClean="0"/>
+              <a:rPr lang="en-US" baseline="0" dirty="0"/>
               <a:t>A table also has rows, which is the data itself, like John Smith, Tom Jones for an employee</a:t>
             </a:r>
           </a:p>
@@ -1577,7 +1576,7 @@
               <a:buChar char="•"/>
             </a:pPr>
             <a:r>
-              <a:rPr lang="en-US" baseline="0" dirty="0" smtClean="0"/>
+              <a:rPr lang="en-US" baseline="0" dirty="0"/>
               <a:t>A constraint is a predicate that can be applied to a column.</a:t>
             </a:r>
           </a:p>
@@ -1587,7 +1586,7 @@
               <a:buChar char="•"/>
             </a:pPr>
             <a:r>
-              <a:rPr lang="en-US" baseline="0" dirty="0" smtClean="0"/>
+              <a:rPr lang="en-US" baseline="0" dirty="0"/>
               <a:t>A Primary key is one or multiple columns that uniquely defines each row in the table.  This cannot be repeated in any other row of the table.</a:t>
             </a:r>
           </a:p>
@@ -1597,7 +1596,7 @@
               <a:buChar char="•"/>
             </a:pPr>
             <a:r>
-              <a:rPr lang="en-US" baseline="0" dirty="0" smtClean="0"/>
+              <a:rPr lang="en-US" baseline="0" dirty="0"/>
               <a:t>For an employee table this might be the social security number or an employee id.  We will discuss best practices on this later.</a:t>
             </a:r>
           </a:p>
@@ -1607,7 +1606,7 @@
               <a:buChar char="•"/>
             </a:pPr>
             <a:r>
-              <a:rPr lang="en-US" baseline="0" dirty="0" smtClean="0"/>
+              <a:rPr lang="en-US" baseline="0" dirty="0"/>
               <a:t>A foreign key is a column or multiple columns that relate to a column or columns in another table to relate data between tables.</a:t>
             </a:r>
           </a:p>
@@ -1617,7 +1616,7 @@
               <a:buChar char="•"/>
             </a:pPr>
             <a:r>
-              <a:rPr lang="en-US" baseline="0" dirty="0" smtClean="0"/>
+              <a:rPr lang="en-US" baseline="0" dirty="0"/>
               <a:t>For example we may have an employee table with an employee id and we may have a company table with a company id.  To relate these two tables together.  We may add the company id to the employee table.  The company id in the employee table would be considered the foreign key because it is the column that exists in both tables and links the 2 tables together.</a:t>
             </a:r>
           </a:p>
@@ -1627,7 +1626,7 @@
               <a:buChar char="•"/>
             </a:pPr>
             <a:r>
-              <a:rPr lang="en-US" baseline="0" dirty="0" smtClean="0"/>
+              <a:rPr lang="en-US" baseline="0" dirty="0"/>
               <a:t>An index is a definition for one or multiple columns for the database to create a tree structure so data can easily be search by the one or set of columns.</a:t>
             </a:r>
           </a:p>
@@ -1637,7 +1636,7 @@
               <a:buChar char="•"/>
             </a:pPr>
             <a:r>
-              <a:rPr lang="en-US" baseline="0" dirty="0" smtClean="0"/>
+              <a:rPr lang="en-US" baseline="0" dirty="0"/>
               <a:t>SQL stands for structure query language.  It is a standard language that is used between different relational databases.  </a:t>
             </a:r>
           </a:p>
@@ -1647,7 +1646,7 @@
               <a:buChar char="•"/>
             </a:pPr>
             <a:r>
-              <a:rPr lang="en-US" baseline="0" dirty="0" smtClean="0"/>
+              <a:rPr lang="en-US" baseline="0" dirty="0"/>
               <a:t>The language is used to insert, update, delete, or select data as well as to define the structure of tables.</a:t>
             </a:r>
           </a:p>
@@ -1657,31 +1656,31 @@
               <a:buChar char="•"/>
             </a:pPr>
             <a:r>
-              <a:rPr lang="en-US" baseline="0" dirty="0" smtClean="0"/>
+              <a:rPr lang="en-US" baseline="0" dirty="0"/>
               <a:t>The language is standard across different relational databases, but most relational databases have their own flavor of the language that can only be used with that relational database.  For example, Microsoft </a:t>
             </a:r>
             <a:r>
-              <a:rPr lang="en-US" baseline="0" dirty="0" err="1" smtClean="0"/>
+              <a:rPr lang="en-US" baseline="0" dirty="0" err="1"/>
               <a:t>Sql</a:t>
             </a:r>
             <a:r>
-              <a:rPr lang="en-US" baseline="0" dirty="0" smtClean="0"/>
+              <a:rPr lang="en-US" baseline="0" dirty="0"/>
               <a:t> Server has T-</a:t>
             </a:r>
             <a:r>
-              <a:rPr lang="en-US" baseline="0" dirty="0" err="1" smtClean="0"/>
+              <a:rPr lang="en-US" baseline="0" dirty="0" err="1"/>
               <a:t>Sql</a:t>
             </a:r>
             <a:r>
-              <a:rPr lang="en-US" baseline="0" dirty="0" smtClean="0"/>
+              <a:rPr lang="en-US" baseline="0" dirty="0"/>
               <a:t> and Oracle has PL-SQL.  They are based on standard ANSI </a:t>
             </a:r>
             <a:r>
-              <a:rPr lang="en-US" baseline="0" dirty="0" err="1" smtClean="0"/>
+              <a:rPr lang="en-US" baseline="0" dirty="0" err="1"/>
               <a:t>sql</a:t>
             </a:r>
             <a:r>
-              <a:rPr lang="en-US" baseline="0" dirty="0" smtClean="0"/>
+              <a:rPr lang="en-US" baseline="0" dirty="0"/>
               <a:t> but are different.</a:t>
             </a:r>
           </a:p>
@@ -1691,15 +1690,15 @@
               <a:buChar char="•"/>
             </a:pPr>
             <a:r>
-              <a:rPr lang="en-US" baseline="0" dirty="0" smtClean="0"/>
+              <a:rPr lang="en-US" baseline="0" dirty="0"/>
               <a:t>Standard ANSI </a:t>
             </a:r>
             <a:r>
-              <a:rPr lang="en-US" baseline="0" dirty="0" err="1" smtClean="0"/>
+              <a:rPr lang="en-US" baseline="0" dirty="0" err="1"/>
               <a:t>sql</a:t>
             </a:r>
             <a:r>
-              <a:rPr lang="en-US" baseline="0" dirty="0" smtClean="0"/>
+              <a:rPr lang="en-US" baseline="0" dirty="0"/>
               <a:t> is recommended to be used.</a:t>
             </a:r>
           </a:p>
@@ -1797,14 +1796,14 @@
               <a:buChar char="•"/>
             </a:pPr>
             <a:r>
-              <a:rPr lang="en-US" dirty="0" smtClean="0"/>
+              <a:rPr lang="en-US" dirty="0"/>
               <a:t>A primary key uniquely</a:t>
             </a:r>
             <a:r>
-              <a:rPr lang="en-US" baseline="0" dirty="0" smtClean="0"/>
+              <a:rPr lang="en-US" baseline="0" dirty="0"/>
               <a:t> defines a record in a table</a:t>
             </a:r>
-            <a:endParaRPr lang="en-US" dirty="0" smtClean="0"/>
+            <a:endParaRPr lang="en-US" dirty="0"/>
           </a:p>
           <a:p>
             <a:pPr marL="171450" lvl="0" indent="-171450">
@@ -1812,11 +1811,11 @@
               <a:buChar char="•"/>
             </a:pPr>
             <a:r>
-              <a:rPr lang="en-US" dirty="0" smtClean="0"/>
+              <a:rPr lang="en-US" dirty="0"/>
               <a:t>Table</a:t>
             </a:r>
             <a:r>
-              <a:rPr lang="en-US" baseline="0" dirty="0" smtClean="0"/>
+              <a:rPr lang="en-US" baseline="0" dirty="0"/>
               <a:t> searches perform a whole lot better when there are primary keys / clustered indexes on them.</a:t>
             </a:r>
           </a:p>
@@ -1826,7 +1825,7 @@
               <a:buChar char="•"/>
             </a:pPr>
             <a:r>
-              <a:rPr lang="en-US" baseline="0" dirty="0" smtClean="0"/>
+              <a:rPr lang="en-US" baseline="0" dirty="0"/>
               <a:t>There can only be one on every table.</a:t>
             </a:r>
           </a:p>
@@ -1836,7 +1835,7 @@
               <a:buChar char="•"/>
             </a:pPr>
             <a:r>
-              <a:rPr lang="en-US" baseline="0" dirty="0" smtClean="0"/>
+              <a:rPr lang="en-US" baseline="0" dirty="0"/>
               <a:t>Once the primary key is placed on the table the database management system can use that to form a tree, which makes operations faster for the database to perform.</a:t>
             </a:r>
           </a:p>
@@ -1846,7 +1845,7 @@
               <a:buChar char="•"/>
             </a:pPr>
             <a:r>
-              <a:rPr lang="en-US" baseline="0" dirty="0" smtClean="0"/>
+              <a:rPr lang="en-US" baseline="0" dirty="0"/>
               <a:t>Multiple columns can make up a primary key – this is called a composite key</a:t>
             </a:r>
           </a:p>
@@ -1856,7 +1855,7 @@
               <a:buChar char="•"/>
             </a:pPr>
             <a:r>
-              <a:rPr lang="en-US" baseline="0" dirty="0" smtClean="0"/>
+              <a:rPr lang="en-US" baseline="0" dirty="0"/>
               <a:t>For example, we have a class at our local YMCA could be defined with a primary key of the class name, teacher, room, and time</a:t>
             </a:r>
           </a:p>
@@ -1866,15 +1865,15 @@
               <a:buChar char="•"/>
             </a:pPr>
             <a:r>
-              <a:rPr lang="en-US" baseline="0" dirty="0" smtClean="0"/>
+              <a:rPr lang="en-US" baseline="0" dirty="0"/>
               <a:t>This is quite long though, we normally don’t want our keys to be more than 3 columns, so instead we might make up a unique id called </a:t>
             </a:r>
             <a:r>
-              <a:rPr lang="en-US" baseline="0" dirty="0" err="1" smtClean="0"/>
+              <a:rPr lang="en-US" baseline="0" dirty="0" err="1"/>
               <a:t>ClassId</a:t>
             </a:r>
             <a:r>
-              <a:rPr lang="en-US" baseline="0" dirty="0" smtClean="0"/>
+              <a:rPr lang="en-US" baseline="0" dirty="0"/>
               <a:t>.  This would be called a surrogate key because we are using it in place of the composite key.</a:t>
             </a:r>
           </a:p>
@@ -1884,7 +1883,7 @@
               <a:buChar char="•"/>
             </a:pPr>
             <a:r>
-              <a:rPr lang="en-US" baseline="0" dirty="0" smtClean="0"/>
+              <a:rPr lang="en-US" baseline="0" dirty="0"/>
               <a:t>I generally use surrogate keys for almost every table.  This is fairly common practice.</a:t>
             </a:r>
           </a:p>
@@ -1894,11 +1893,11 @@
               <a:buChar char="•"/>
             </a:pPr>
             <a:r>
-              <a:rPr lang="en-US" dirty="0" smtClean="0"/>
+              <a:rPr lang="en-US" dirty="0"/>
               <a:t>A foreign</a:t>
             </a:r>
             <a:r>
-              <a:rPr lang="en-US" baseline="0" dirty="0" smtClean="0"/>
+              <a:rPr lang="en-US" baseline="0" dirty="0"/>
               <a:t> key is used to relate one table to another.</a:t>
             </a:r>
           </a:p>
@@ -1908,7 +1907,7 @@
               <a:buChar char="•"/>
             </a:pPr>
             <a:r>
-              <a:rPr lang="en-US" baseline="0" dirty="0" smtClean="0"/>
+              <a:rPr lang="en-US" baseline="0" dirty="0"/>
               <a:t>Usually this is done by placing the primary key of one table into another table as a foreign key.</a:t>
             </a:r>
           </a:p>
@@ -1918,23 +1917,23 @@
               <a:buChar char="•"/>
             </a:pPr>
             <a:r>
-              <a:rPr lang="en-US" baseline="0" dirty="0" smtClean="0"/>
+              <a:rPr lang="en-US" baseline="0" dirty="0"/>
               <a:t>For example We have a class table with a primary key of </a:t>
             </a:r>
             <a:r>
-              <a:rPr lang="en-US" baseline="0" dirty="0" err="1" smtClean="0"/>
+              <a:rPr lang="en-US" baseline="0" dirty="0" err="1"/>
               <a:t>classId</a:t>
             </a:r>
             <a:r>
-              <a:rPr lang="en-US" baseline="0" dirty="0" smtClean="0"/>
+              <a:rPr lang="en-US" baseline="0" dirty="0"/>
               <a:t> and a teacher table with a primary key or </a:t>
             </a:r>
             <a:r>
-              <a:rPr lang="en-US" baseline="0" dirty="0" err="1" smtClean="0"/>
+              <a:rPr lang="en-US" baseline="0" dirty="0" err="1"/>
               <a:t>teacherId</a:t>
             </a:r>
             <a:r>
-              <a:rPr lang="en-US" baseline="0" dirty="0" smtClean="0"/>
+              <a:rPr lang="en-US" baseline="0" dirty="0"/>
               <a:t>.</a:t>
             </a:r>
           </a:p>
@@ -1944,15 +1943,15 @@
               <a:buChar char="•"/>
             </a:pPr>
             <a:r>
-              <a:rPr lang="en-US" baseline="0" dirty="0" smtClean="0"/>
+              <a:rPr lang="en-US" baseline="0" dirty="0"/>
               <a:t>Because this is a one to many relationship with one teacher having one to many classes we will add the </a:t>
             </a:r>
             <a:r>
-              <a:rPr lang="en-US" baseline="0" dirty="0" err="1" smtClean="0"/>
+              <a:rPr lang="en-US" baseline="0" dirty="0" err="1"/>
               <a:t>teacherId</a:t>
             </a:r>
             <a:r>
-              <a:rPr lang="en-US" baseline="0" dirty="0" smtClean="0"/>
+              <a:rPr lang="en-US" baseline="0" dirty="0"/>
               <a:t> to the class table as a foreign key.</a:t>
             </a:r>
           </a:p>
@@ -1962,11 +1961,11 @@
               <a:buChar char="•"/>
             </a:pPr>
             <a:r>
-              <a:rPr lang="en-US" dirty="0" smtClean="0"/>
+              <a:rPr lang="en-US" dirty="0"/>
               <a:t>When</a:t>
             </a:r>
             <a:r>
-              <a:rPr lang="en-US" baseline="0" dirty="0" smtClean="0"/>
+              <a:rPr lang="en-US" baseline="0" dirty="0"/>
               <a:t> you add a foreign key you have to option to enforce constraints and cascade updates and deletes</a:t>
             </a:r>
           </a:p>
@@ -1976,7 +1975,7 @@
               <a:buChar char="•"/>
             </a:pPr>
             <a:r>
-              <a:rPr lang="en-US" baseline="0" dirty="0" smtClean="0"/>
+              <a:rPr lang="en-US" baseline="0" dirty="0"/>
               <a:t>Enforcing constraints is generally suggested as you want to ensure that what is being inserted into the foreign key column does exist in the table that it is related to.</a:t>
             </a:r>
           </a:p>
@@ -1986,7 +1985,7 @@
               <a:buChar char="•"/>
             </a:pPr>
             <a:r>
-              <a:rPr lang="en-US" baseline="0" dirty="0" smtClean="0"/>
+              <a:rPr lang="en-US" baseline="0" dirty="0"/>
               <a:t>Cascading updates and deletes can be dangerous because data could be lost unexpectedly.  </a:t>
             </a:r>
           </a:p>
@@ -1996,7 +1995,7 @@
               <a:buChar char="•"/>
             </a:pPr>
             <a:r>
-              <a:rPr lang="en-US" baseline="0" dirty="0" smtClean="0"/>
+              <a:rPr lang="en-US" baseline="0" dirty="0"/>
               <a:t>Many systems prefer to do soft deletes because of the possible loss of data so cascading deletes become less important</a:t>
             </a:r>
           </a:p>
@@ -2006,10 +2005,10 @@
               <a:buChar char="•"/>
             </a:pPr>
             <a:r>
-              <a:rPr lang="en-US" baseline="0" dirty="0" smtClean="0"/>
+              <a:rPr lang="en-US" baseline="0" dirty="0"/>
               <a:t>Also, many systems use surrogate keys and prefer to soft delete a record than update a primary key which can make cascading updates less important.</a:t>
             </a:r>
-            <a:endParaRPr lang="en-US" dirty="0" smtClean="0"/>
+            <a:endParaRPr lang="en-US" dirty="0"/>
           </a:p>
           <a:p>
             <a:pPr marL="171450" lvl="0" indent="-171450">
@@ -2105,7 +2104,7 @@
               <a:buChar char="•"/>
             </a:pPr>
             <a:r>
-              <a:rPr lang="en-US" dirty="0" smtClean="0"/>
+              <a:rPr lang="en-US" dirty="0"/>
               <a:t>Entities are the different types of data that you are trying to map.</a:t>
             </a:r>
           </a:p>
@@ -2128,7 +2127,7 @@
               <a:defRPr/>
             </a:pPr>
             <a:r>
-              <a:rPr lang="en-US" dirty="0" smtClean="0"/>
+              <a:rPr lang="en-US" dirty="0"/>
               <a:t>It is anything that you want to hold data for.</a:t>
             </a:r>
           </a:p>
@@ -2138,11 +2137,11 @@
               <a:buChar char="•"/>
             </a:pPr>
             <a:r>
-              <a:rPr lang="en-US" dirty="0" smtClean="0"/>
+              <a:rPr lang="en-US" dirty="0"/>
               <a:t>They are things that exist either</a:t>
             </a:r>
             <a:r>
-              <a:rPr lang="en-US" baseline="0" dirty="0" smtClean="0"/>
+              <a:rPr lang="en-US" baseline="0" dirty="0"/>
               <a:t> physically or logically.</a:t>
             </a:r>
           </a:p>
@@ -2152,7 +2151,7 @@
               <a:buChar char="•"/>
             </a:pPr>
             <a:r>
-              <a:rPr lang="en-US" baseline="0" dirty="0" smtClean="0"/>
+              <a:rPr lang="en-US" baseline="0" dirty="0"/>
               <a:t>They can be thought of as nouns normally – person, place, or thing</a:t>
             </a:r>
           </a:p>
@@ -2162,10 +2161,10 @@
               <a:buChar char="•"/>
             </a:pPr>
             <a:r>
-              <a:rPr lang="en-US" baseline="0" dirty="0" smtClean="0"/>
+              <a:rPr lang="en-US" baseline="0" dirty="0"/>
               <a:t>By existing physically I mean a physical object or person like a table, a chair, a customer, an employee, a product, a user</a:t>
             </a:r>
-            <a:endParaRPr lang="en-US" dirty="0" smtClean="0"/>
+            <a:endParaRPr lang="en-US" dirty="0"/>
           </a:p>
           <a:p>
             <a:pPr marL="171450" indent="-171450">
@@ -2173,11 +2172,11 @@
               <a:buChar char="•"/>
             </a:pPr>
             <a:r>
-              <a:rPr lang="en-US" dirty="0" smtClean="0"/>
+              <a:rPr lang="en-US" dirty="0"/>
               <a:t>By existing logically I mean any</a:t>
             </a:r>
             <a:r>
-              <a:rPr lang="en-US" baseline="0" dirty="0" smtClean="0"/>
+              <a:rPr lang="en-US" baseline="0" dirty="0"/>
               <a:t> thing that exists that is not physical.  </a:t>
             </a:r>
           </a:p>
@@ -2187,7 +2186,7 @@
               <a:buChar char="•"/>
             </a:pPr>
             <a:r>
-              <a:rPr lang="en-US" baseline="0" dirty="0" smtClean="0"/>
+              <a:rPr lang="en-US" baseline="0" dirty="0"/>
               <a:t>Examples include transactions, bill of materials, or different types of events like text message received or server restarted.</a:t>
             </a:r>
           </a:p>
@@ -2197,17 +2196,17 @@
               <a:buChar char="•"/>
             </a:pPr>
             <a:r>
-              <a:rPr lang="en-US" baseline="0" dirty="0" smtClean="0"/>
+              <a:rPr lang="en-US" baseline="0" dirty="0"/>
               <a:t>An entity is represented as a rectangle with the name of the entity written in the middle of the shape.</a:t>
             </a:r>
-            <a:endParaRPr lang="en-US" dirty="0" smtClean="0"/>
+            <a:endParaRPr lang="en-US" dirty="0"/>
           </a:p>
           <a:p>
             <a:pPr marL="171450" indent="-171450">
               <a:buFont typeface="Arial" panose="020B0604020202020204" pitchFamily="34" charset="0"/>
               <a:buChar char="•"/>
             </a:pPr>
-            <a:endParaRPr lang="en-US" dirty="0" smtClean="0"/>
+            <a:endParaRPr lang="en-US" dirty="0"/>
           </a:p>
         </p:txBody>
       </p:sp>
@@ -2296,11 +2295,11 @@
               <a:buChar char="•"/>
             </a:pPr>
             <a:r>
-              <a:rPr lang="en-US" dirty="0" smtClean="0"/>
+              <a:rPr lang="en-US" dirty="0"/>
               <a:t>Let’s create</a:t>
             </a:r>
             <a:r>
-              <a:rPr lang="en-US" baseline="0" dirty="0" smtClean="0"/>
+              <a:rPr lang="en-US" baseline="0" dirty="0"/>
               <a:t> a physical data model for our assessment system from our logical data model</a:t>
             </a:r>
             <a:endParaRPr lang="en-US" dirty="0"/>
@@ -2392,7 +2391,7 @@
               <a:buChar char="•"/>
             </a:pPr>
             <a:r>
-              <a:rPr lang="en-US" sz="1200" kern="1200" dirty="0" smtClean="0">
+              <a:rPr lang="en-US" sz="1200" kern="1200" dirty="0">
                 <a:solidFill>
                   <a:schemeClr val="tx1"/>
                 </a:solidFill>
@@ -2410,7 +2409,7 @@
               <a:buChar char="•"/>
             </a:pPr>
             <a:r>
-              <a:rPr lang="en-US" sz="1200" kern="1200" dirty="0" smtClean="0">
+              <a:rPr lang="en-US" sz="1200" kern="1200" dirty="0">
                 <a:solidFill>
                   <a:schemeClr val="tx1"/>
                 </a:solidFill>
@@ -2428,7 +2427,7 @@
               <a:buChar char="•"/>
             </a:pPr>
             <a:r>
-              <a:rPr lang="en-US" sz="1200" kern="1200" dirty="0" smtClean="0">
+              <a:rPr lang="en-US" sz="1200" kern="1200" dirty="0">
                 <a:solidFill>
                   <a:schemeClr val="tx1"/>
                 </a:solidFill>
@@ -2439,15 +2438,6 @@
               </a:rPr>
               <a:t>What relates to another table?</a:t>
             </a:r>
-            <a:endParaRPr lang="en-US" sz="1200" kern="1200" dirty="0">
-              <a:solidFill>
-                <a:schemeClr val="tx1"/>
-              </a:solidFill>
-              <a:effectLst/>
-              <a:latin typeface="+mn-lt"/>
-              <a:ea typeface="+mn-ea"/>
-              <a:cs typeface="+mn-cs"/>
-            </a:endParaRPr>
           </a:p>
           <a:p>
             <a:pPr marL="171450" marR="0" lvl="0" indent="-171450" algn="l" defTabSz="914400" rtl="0" eaLnBrk="1" fontAlgn="auto" latinLnBrk="0" hangingPunct="1">
@@ -2468,7 +2458,7 @@
               <a:defRPr/>
             </a:pPr>
             <a:r>
-              <a:rPr lang="en-US" sz="1200" kern="1200" dirty="0" smtClean="0">
+              <a:rPr lang="en-US" sz="1200" kern="1200" dirty="0">
                 <a:solidFill>
                   <a:schemeClr val="tx1"/>
                 </a:solidFill>
@@ -2651,7 +2641,7 @@
               <a:buChar char="•"/>
             </a:pPr>
             <a:r>
-              <a:rPr lang="en-US" sz="1200" kern="1200" dirty="0" smtClean="0">
+              <a:rPr lang="en-US" sz="1200" kern="1200" dirty="0">
                 <a:solidFill>
                   <a:schemeClr val="tx1"/>
                 </a:solidFill>
@@ -2669,7 +2659,7 @@
               <a:buChar char="•"/>
             </a:pPr>
             <a:r>
-              <a:rPr lang="en-US" sz="1200" kern="1200" dirty="0" smtClean="0">
+              <a:rPr lang="en-US" sz="1200" kern="1200" dirty="0">
                 <a:solidFill>
                   <a:schemeClr val="tx1"/>
                 </a:solidFill>
@@ -2687,7 +2677,7 @@
               <a:buChar char="•"/>
             </a:pPr>
             <a:r>
-              <a:rPr lang="en-US" sz="1200" kern="1200" dirty="0" smtClean="0">
+              <a:rPr lang="en-US" sz="1200" kern="1200" dirty="0">
                 <a:solidFill>
                   <a:schemeClr val="tx1"/>
                 </a:solidFill>
@@ -2705,7 +2695,7 @@
               <a:buChar char="•"/>
             </a:pPr>
             <a:r>
-              <a:rPr lang="en-US" sz="1200" kern="1200" dirty="0" smtClean="0">
+              <a:rPr lang="en-US" sz="1200" kern="1200" dirty="0">
                 <a:solidFill>
                   <a:schemeClr val="tx1"/>
                 </a:solidFill>
@@ -2723,7 +2713,7 @@
               <a:buChar char="•"/>
             </a:pPr>
             <a:r>
-              <a:rPr lang="en-US" sz="1200" kern="1200" dirty="0" smtClean="0">
+              <a:rPr lang="en-US" sz="1200" kern="1200" dirty="0">
                 <a:solidFill>
                   <a:schemeClr val="tx1"/>
                 </a:solidFill>
@@ -2741,7 +2731,7 @@
               <a:buChar char="•"/>
             </a:pPr>
             <a:r>
-              <a:rPr lang="en-US" sz="1200" kern="1200" dirty="0" smtClean="0">
+              <a:rPr lang="en-US" sz="1200" kern="1200" dirty="0">
                 <a:solidFill>
                   <a:schemeClr val="tx1"/>
                 </a:solidFill>
@@ -2935,7 +2925,7 @@
               <a:buChar char="•"/>
             </a:pPr>
             <a:r>
-              <a:rPr lang="en-US" dirty="0" smtClean="0"/>
+              <a:rPr lang="en-US" dirty="0"/>
               <a:t>Attributes are fields or pieces of data within an entity.</a:t>
             </a:r>
           </a:p>
@@ -2945,7 +2935,7 @@
               <a:buChar char="•"/>
             </a:pPr>
             <a:r>
-              <a:rPr lang="en-US" dirty="0" smtClean="0"/>
+              <a:rPr lang="en-US" dirty="0"/>
               <a:t>They are represented by an oval shape</a:t>
             </a:r>
           </a:p>
@@ -2955,7 +2945,7 @@
               <a:buChar char="•"/>
             </a:pPr>
             <a:r>
-              <a:rPr lang="en-US" dirty="0" smtClean="0"/>
+              <a:rPr lang="en-US" dirty="0"/>
               <a:t>Examples would be name, phone number, address, and social security</a:t>
             </a:r>
           </a:p>
@@ -2964,7 +2954,7 @@
               <a:buFont typeface="Arial" panose="020B0604020202020204" pitchFamily="34" charset="0"/>
               <a:buChar char="•"/>
             </a:pPr>
-            <a:endParaRPr lang="en-US" dirty="0" smtClean="0"/>
+            <a:endParaRPr lang="en-US" dirty="0"/>
           </a:p>
         </p:txBody>
       </p:sp>
@@ -3053,11 +3043,11 @@
               <a:buChar char="•"/>
             </a:pPr>
             <a:r>
-              <a:rPr lang="en-US" dirty="0" smtClean="0"/>
+              <a:rPr lang="en-US" dirty="0"/>
               <a:t>Relationships show which</a:t>
             </a:r>
             <a:r>
-              <a:rPr lang="en-US" baseline="0" dirty="0" smtClean="0"/>
+              <a:rPr lang="en-US" baseline="0" dirty="0"/>
               <a:t> entities are related.</a:t>
             </a:r>
           </a:p>
@@ -3067,7 +3057,7 @@
               <a:buChar char="•"/>
             </a:pPr>
             <a:r>
-              <a:rPr lang="en-US" baseline="0" dirty="0" smtClean="0"/>
+              <a:rPr lang="en-US" baseline="0" dirty="0"/>
               <a:t>These are usually verbs, like a person owns a house or a manger manages an employee</a:t>
             </a:r>
           </a:p>
@@ -3077,7 +3067,7 @@
               <a:buChar char="•"/>
             </a:pPr>
             <a:r>
-              <a:rPr lang="en-US" baseline="0" dirty="0" smtClean="0"/>
+              <a:rPr lang="en-US" baseline="0" dirty="0"/>
               <a:t>The relationships also show how entities are related.  Possible options are:</a:t>
             </a:r>
           </a:p>
@@ -3087,7 +3077,7 @@
               <a:buChar char="•"/>
             </a:pPr>
             <a:r>
-              <a:rPr lang="en-US" baseline="0" dirty="0" smtClean="0"/>
+              <a:rPr lang="en-US" baseline="0" dirty="0"/>
               <a:t>One to One</a:t>
             </a:r>
           </a:p>
@@ -3097,7 +3087,7 @@
               <a:buChar char="•"/>
             </a:pPr>
             <a:r>
-              <a:rPr lang="en-US" baseline="0" dirty="0" smtClean="0"/>
+              <a:rPr lang="en-US" baseline="0" dirty="0"/>
               <a:t>One to Many</a:t>
             </a:r>
           </a:p>
@@ -3107,7 +3097,7 @@
               <a:buChar char="•"/>
             </a:pPr>
             <a:r>
-              <a:rPr lang="en-US" baseline="0" dirty="0" smtClean="0"/>
+              <a:rPr lang="en-US" baseline="0" dirty="0"/>
               <a:t>Many to Many</a:t>
             </a:r>
           </a:p>
@@ -3117,11 +3107,11 @@
               <a:buChar char="•"/>
             </a:pPr>
             <a:r>
-              <a:rPr lang="en-US" dirty="0" smtClean="0"/>
+              <a:rPr lang="en-US" dirty="0"/>
               <a:t>An example of a one to one relationship</a:t>
             </a:r>
             <a:r>
-              <a:rPr lang="en-US" baseline="0" dirty="0" smtClean="0"/>
+              <a:rPr lang="en-US" baseline="0" dirty="0"/>
               <a:t> is, one employee has one desk</a:t>
             </a:r>
           </a:p>
@@ -3131,7 +3121,7 @@
               <a:buChar char="•"/>
             </a:pPr>
             <a:r>
-              <a:rPr lang="en-US" baseline="0" dirty="0" smtClean="0"/>
+              <a:rPr lang="en-US" baseline="0" dirty="0"/>
               <a:t>An example of a one to many relationship is, one manager has many employees</a:t>
             </a:r>
           </a:p>
@@ -3141,7 +3131,7 @@
               <a:buChar char="•"/>
             </a:pPr>
             <a:r>
-              <a:rPr lang="en-US" baseline="0" dirty="0" smtClean="0"/>
+              <a:rPr lang="en-US" baseline="0" dirty="0"/>
               <a:t>An example of a many to many relationship is, many employees work on many projects.</a:t>
             </a:r>
           </a:p>
@@ -3151,7 +3141,7 @@
               <a:buChar char="•"/>
             </a:pPr>
             <a:r>
-              <a:rPr lang="en-US" baseline="0" dirty="0" smtClean="0"/>
+              <a:rPr lang="en-US" baseline="0" dirty="0"/>
               <a:t>This is called the cardinality of the relationship</a:t>
             </a:r>
           </a:p>
@@ -3161,7 +3151,7 @@
               <a:buChar char="•"/>
             </a:pPr>
             <a:r>
-              <a:rPr lang="en-US" baseline="0" dirty="0" smtClean="0"/>
+              <a:rPr lang="en-US" baseline="0" dirty="0"/>
               <a:t>The relationship defines the minimum and maximum cardinality of the relationship</a:t>
             </a:r>
           </a:p>
@@ -3171,7 +3161,7 @@
               <a:buChar char="•"/>
             </a:pPr>
             <a:r>
-              <a:rPr lang="en-US" baseline="0" dirty="0" smtClean="0"/>
+              <a:rPr lang="en-US" baseline="0" dirty="0"/>
               <a:t>The minimum can be as low as 0</a:t>
             </a:r>
           </a:p>
@@ -3181,7 +3171,7 @@
               <a:buChar char="•"/>
             </a:pPr>
             <a:r>
-              <a:rPr lang="en-US" baseline="0" dirty="0" smtClean="0"/>
+              <a:rPr lang="en-US" baseline="0" dirty="0"/>
               <a:t>The maximum can be as high as many – which means infinite.</a:t>
             </a:r>
           </a:p>
@@ -3191,10 +3181,9 @@
               <a:buChar char="•"/>
             </a:pPr>
             <a:r>
-              <a:rPr lang="en-US" dirty="0" smtClean="0"/>
+              <a:rPr lang="en-US" dirty="0"/>
               <a:t>The only other option is 1</a:t>
             </a:r>
-            <a:endParaRPr lang="en-US" dirty="0"/>
           </a:p>
         </p:txBody>
       </p:sp>
@@ -3283,11 +3272,11 @@
               <a:buChar char="•"/>
             </a:pPr>
             <a:r>
-              <a:rPr lang="en-US" dirty="0" smtClean="0"/>
+              <a:rPr lang="en-US" dirty="0"/>
               <a:t>These</a:t>
             </a:r>
             <a:r>
-              <a:rPr lang="en-US" baseline="0" dirty="0" smtClean="0"/>
+              <a:rPr lang="en-US" baseline="0" dirty="0"/>
               <a:t> are different permutations of the crowfoot notation.</a:t>
             </a:r>
           </a:p>
@@ -3297,7 +3286,7 @@
               <a:buChar char="•"/>
             </a:pPr>
             <a:r>
-              <a:rPr lang="en-US" baseline="0" dirty="0" smtClean="0"/>
+              <a:rPr lang="en-US" baseline="0" dirty="0"/>
               <a:t>As you can see there are two parts</a:t>
             </a:r>
           </a:p>
@@ -3307,7 +3296,7 @@
               <a:buChar char="•"/>
             </a:pPr>
             <a:r>
-              <a:rPr lang="en-US" baseline="0" dirty="0" smtClean="0"/>
+              <a:rPr lang="en-US" baseline="0" dirty="0"/>
               <a:t>The end of the line shows that max number and next to it there is a definition of the min number</a:t>
             </a:r>
           </a:p>
@@ -3317,7 +3306,7 @@
               <a:buChar char="•"/>
             </a:pPr>
             <a:r>
-              <a:rPr lang="en-US" baseline="0" dirty="0" smtClean="0"/>
+              <a:rPr lang="en-US" baseline="0" dirty="0"/>
               <a:t>The options are 0, one, or many</a:t>
             </a:r>
           </a:p>
@@ -3327,7 +3316,7 @@
               <a:buChar char="•"/>
             </a:pPr>
             <a:r>
-              <a:rPr lang="en-US" baseline="0" dirty="0" smtClean="0"/>
+              <a:rPr lang="en-US" baseline="0" dirty="0"/>
               <a:t>The max number has to at least be one.</a:t>
             </a:r>
           </a:p>
@@ -3337,7 +3326,7 @@
               <a:buChar char="•"/>
             </a:pPr>
             <a:r>
-              <a:rPr lang="en-US" baseline="0" dirty="0" smtClean="0"/>
+              <a:rPr lang="en-US" baseline="0" dirty="0"/>
               <a:t>This is shown for each side of the relation.</a:t>
             </a:r>
             <a:endParaRPr lang="en-US" dirty="0"/>
@@ -3517,7 +3506,7 @@
               <a:buChar char="•"/>
             </a:pPr>
             <a:r>
-              <a:rPr lang="en-US" sz="1200" kern="1200" dirty="0" smtClean="0">
+              <a:rPr lang="en-US" sz="1200" kern="1200" dirty="0">
                 <a:solidFill>
                   <a:schemeClr val="tx1"/>
                 </a:solidFill>
@@ -3535,7 +3524,7 @@
               <a:buChar char="•"/>
             </a:pPr>
             <a:r>
-              <a:rPr lang="en-US" sz="1200" kern="1200" dirty="0" smtClean="0">
+              <a:rPr lang="en-US" sz="1200" kern="1200" dirty="0">
                 <a:solidFill>
                   <a:schemeClr val="tx1"/>
                 </a:solidFill>
@@ -3553,7 +3542,7 @@
               <a:buChar char="•"/>
             </a:pPr>
             <a:r>
-              <a:rPr lang="en-US" sz="1200" kern="1200" dirty="0" smtClean="0">
+              <a:rPr lang="en-US" sz="1200" kern="1200" dirty="0">
                 <a:solidFill>
                   <a:schemeClr val="tx1"/>
                 </a:solidFill>
@@ -3571,7 +3560,7 @@
               <a:buChar char="•"/>
             </a:pPr>
             <a:r>
-              <a:rPr lang="en-US" sz="1200" kern="1200" dirty="0" smtClean="0">
+              <a:rPr lang="en-US" sz="1200" kern="1200" dirty="0">
                 <a:solidFill>
                   <a:schemeClr val="tx1"/>
                 </a:solidFill>
@@ -3761,11 +3750,11 @@
               <a:buChar char="•"/>
             </a:pPr>
             <a:r>
-              <a:rPr lang="en-US" dirty="0" smtClean="0"/>
+              <a:rPr lang="en-US" dirty="0"/>
               <a:t>Normalization unbundles overlapping entities, meaning entities with the same attributes associated</a:t>
             </a:r>
             <a:r>
-              <a:rPr lang="en-US" baseline="0" dirty="0" smtClean="0"/>
+              <a:rPr lang="en-US" baseline="0" dirty="0"/>
               <a:t> with them.</a:t>
             </a:r>
           </a:p>
@@ -3775,7 +3764,7 @@
               <a:buChar char="•"/>
             </a:pPr>
             <a:r>
-              <a:rPr lang="en-US" baseline="0" dirty="0" smtClean="0"/>
+              <a:rPr lang="en-US" baseline="0" dirty="0"/>
               <a:t>This is important for a few reasons.</a:t>
             </a:r>
           </a:p>
@@ -3785,7 +3774,7 @@
               <a:buChar char="•"/>
             </a:pPr>
             <a:r>
-              <a:rPr lang="en-US" dirty="0" smtClean="0"/>
+              <a:rPr lang="en-US" dirty="0"/>
               <a:t>First we want to maintain data integrity.</a:t>
             </a:r>
           </a:p>
@@ -3795,7 +3784,7 @@
               <a:buChar char="•"/>
             </a:pPr>
             <a:r>
-              <a:rPr lang="en-US" dirty="0" smtClean="0"/>
+              <a:rPr lang="en-US" dirty="0"/>
               <a:t>This means minimizing the duplication of data.</a:t>
             </a:r>
           </a:p>
@@ -3805,11 +3794,11 @@
               <a:buChar char="•"/>
             </a:pPr>
             <a:r>
-              <a:rPr lang="en-US" dirty="0" smtClean="0"/>
+              <a:rPr lang="en-US" dirty="0"/>
               <a:t>Second we want to maintain referential</a:t>
             </a:r>
             <a:r>
-              <a:rPr lang="en-US" baseline="0" dirty="0" smtClean="0"/>
+              <a:rPr lang="en-US" baseline="0" dirty="0"/>
               <a:t> integrity.</a:t>
             </a:r>
           </a:p>
@@ -3819,7 +3808,7 @@
               <a:buChar char="•"/>
             </a:pPr>
             <a:r>
-              <a:rPr lang="en-US" baseline="0" dirty="0" smtClean="0"/>
+              <a:rPr lang="en-US" baseline="0" dirty="0"/>
               <a:t>With this we want to ensure all updates are done in one place.</a:t>
             </a:r>
           </a:p>
@@ -3829,7 +3818,7 @@
               <a:buChar char="•"/>
             </a:pPr>
             <a:r>
-              <a:rPr lang="en-US" baseline="0" dirty="0" smtClean="0"/>
+              <a:rPr lang="en-US" baseline="0" dirty="0"/>
               <a:t>Third we want keyed data access.</a:t>
             </a:r>
           </a:p>
@@ -3839,7 +3828,7 @@
               <a:buChar char="•"/>
             </a:pPr>
             <a:r>
-              <a:rPr lang="en-US" baseline="0" dirty="0" smtClean="0"/>
+              <a:rPr lang="en-US" baseline="0" dirty="0"/>
               <a:t>This allows for quick data selection and updates</a:t>
             </a:r>
           </a:p>
@@ -3849,7 +3838,7 @@
               <a:buChar char="•"/>
             </a:pPr>
             <a:r>
-              <a:rPr lang="en-US" baseline="0" dirty="0" smtClean="0"/>
+              <a:rPr lang="en-US" baseline="0" dirty="0"/>
               <a:t>Overall, we are trying to remove anomalies</a:t>
             </a:r>
           </a:p>
@@ -3859,7 +3848,7 @@
               <a:buChar char="•"/>
             </a:pPr>
             <a:r>
-              <a:rPr lang="en-US" baseline="0" dirty="0" smtClean="0"/>
+              <a:rPr lang="en-US" baseline="0" dirty="0"/>
               <a:t>These could be insert, update, and delete anomalies.</a:t>
             </a:r>
           </a:p>
@@ -3869,7 +3858,7 @@
               <a:buChar char="•"/>
             </a:pPr>
             <a:r>
-              <a:rPr lang="en-US" baseline="0" dirty="0" smtClean="0"/>
+              <a:rPr lang="en-US" baseline="0" dirty="0"/>
               <a:t>An insert anomaly would occur if you are not able to insert data that needs to be inserted because a dependency on other data does not exist yet.</a:t>
             </a:r>
           </a:p>
@@ -3879,7 +3868,7 @@
               <a:buChar char="•"/>
             </a:pPr>
             <a:r>
-              <a:rPr lang="en-US" baseline="0" dirty="0" smtClean="0"/>
+              <a:rPr lang="en-US" baseline="0" dirty="0"/>
               <a:t>An update anomaly occurs if the same data exists in multiple locations and only one of those locations is updated.</a:t>
             </a:r>
           </a:p>
@@ -3889,7 +3878,7 @@
               <a:buChar char="•"/>
             </a:pPr>
             <a:r>
-              <a:rPr lang="en-US" baseline="0" dirty="0" smtClean="0"/>
+              <a:rPr lang="en-US" baseline="0" dirty="0"/>
               <a:t>A delete anomaly would occur if you have to delete data you don’t want to delete in order to delete data you do want to delete.</a:t>
             </a:r>
           </a:p>
@@ -3899,7 +3888,7 @@
               <a:buChar char="•"/>
             </a:pPr>
             <a:r>
-              <a:rPr lang="en-US" baseline="0" dirty="0" smtClean="0"/>
+              <a:rPr lang="en-US" baseline="0" dirty="0"/>
               <a:t>To normalize is to go through a number of steps.</a:t>
             </a:r>
           </a:p>
@@ -3909,7 +3898,7 @@
               <a:buChar char="•"/>
             </a:pPr>
             <a:r>
-              <a:rPr lang="en-US" baseline="0" dirty="0" smtClean="0"/>
+              <a:rPr lang="en-US" baseline="0" dirty="0"/>
               <a:t>After each step you end at a different normal form.</a:t>
             </a:r>
           </a:p>
@@ -3919,7 +3908,7 @@
               <a:buChar char="•"/>
             </a:pPr>
             <a:r>
-              <a:rPr lang="en-US" baseline="0" dirty="0" smtClean="0"/>
+              <a:rPr lang="en-US" baseline="0" dirty="0"/>
               <a:t>We are only go through third normal form even though there are further forms.</a:t>
             </a:r>
           </a:p>
@@ -4010,7 +3999,7 @@
           </a:lstStyle>
           <a:p>
             <a:r>
-              <a:rPr lang="en-US" smtClean="0"/>
+              <a:rPr lang="en-US"/>
               <a:t>Click to edit Master title style</a:t>
             </a:r>
             <a:endParaRPr lang="en-US" dirty="0"/>
@@ -4130,7 +4119,7 @@
           </a:lstStyle>
           <a:p>
             <a:r>
-              <a:rPr lang="en-US" smtClean="0"/>
+              <a:rPr lang="en-US"/>
               <a:t>Click to edit Master subtitle style</a:t>
             </a:r>
             <a:endParaRPr lang="en-US" dirty="0"/>
@@ -4154,7 +4143,7 @@
           <a:p>
             <a:fld id="{96FB5D56-0812-4ED5-8B52-3D0DCBF578CB}" type="datetimeFigureOut">
               <a:rPr lang="en-US" smtClean="0"/>
-              <a:t>2/4/2018</a:t>
+              <a:t>7/18/2018</a:t>
             </a:fld>
             <a:endParaRPr lang="en-US"/>
           </a:p>
@@ -4259,7 +4248,7 @@
           </a:lstStyle>
           <a:p>
             <a:r>
-              <a:rPr lang="en-US" smtClean="0"/>
+              <a:rPr lang="en-US"/>
               <a:t>Click to edit Master title style</a:t>
             </a:r>
             <a:endParaRPr lang="en-US" dirty="0"/>
@@ -4338,7 +4327,7 @@
           </a:lstStyle>
           <a:p>
             <a:r>
-              <a:rPr lang="en-US" smtClean="0"/>
+              <a:rPr lang="en-US"/>
               <a:t>Click icon to add picture</a:t>
             </a:r>
             <a:endParaRPr lang="en-US" dirty="0"/>
@@ -4406,7 +4395,7 @@
           <a:p>
             <a:pPr lvl="0"/>
             <a:r>
-              <a:rPr lang="en-US" smtClean="0"/>
+              <a:rPr lang="en-US"/>
               <a:t>Click to edit Master text styles</a:t>
             </a:r>
           </a:p>
@@ -4429,7 +4418,7 @@
           <a:p>
             <a:fld id="{96FB5D56-0812-4ED5-8B52-3D0DCBF578CB}" type="datetimeFigureOut">
               <a:rPr lang="en-US" smtClean="0"/>
-              <a:t>2/4/2018</a:t>
+              <a:t>7/18/2018</a:t>
             </a:fld>
             <a:endParaRPr lang="en-US"/>
           </a:p>
@@ -4532,7 +4521,7 @@
           </a:lstStyle>
           <a:p>
             <a:r>
-              <a:rPr lang="en-US" smtClean="0"/>
+              <a:rPr lang="en-US"/>
               <a:t>Click to edit Master title style</a:t>
             </a:r>
             <a:endParaRPr lang="en-US" dirty="0"/>
@@ -4600,7 +4589,7 @@
           <a:p>
             <a:pPr lvl="0"/>
             <a:r>
-              <a:rPr lang="en-US" smtClean="0"/>
+              <a:rPr lang="en-US"/>
               <a:t>Click to edit Master text styles</a:t>
             </a:r>
           </a:p>
@@ -4623,7 +4612,7 @@
           <a:p>
             <a:fld id="{96FB5D56-0812-4ED5-8B52-3D0DCBF578CB}" type="datetimeFigureOut">
               <a:rPr lang="en-US" smtClean="0"/>
-              <a:t>2/4/2018</a:t>
+              <a:t>7/18/2018</a:t>
             </a:fld>
             <a:endParaRPr lang="en-US"/>
           </a:p>
@@ -4726,7 +4715,7 @@
           </a:lstStyle>
           <a:p>
             <a:r>
-              <a:rPr lang="en-US" smtClean="0"/>
+              <a:rPr lang="en-US"/>
               <a:t>Click to edit Master title style</a:t>
             </a:r>
             <a:endParaRPr lang="en-US" dirty="0"/>
@@ -4806,7 +4795,7 @@
               <a:buNone/>
             </a:pPr>
             <a:r>
-              <a:rPr lang="en-US" smtClean="0"/>
+              <a:rPr lang="en-US"/>
               <a:t>Click to edit Master text styles</a:t>
             </a:r>
           </a:p>
@@ -4873,7 +4862,7 @@
           <a:p>
             <a:pPr lvl="0"/>
             <a:r>
-              <a:rPr lang="en-US" smtClean="0"/>
+              <a:rPr lang="en-US"/>
               <a:t>Click to edit Master text styles</a:t>
             </a:r>
           </a:p>
@@ -4896,7 +4885,7 @@
           <a:p>
             <a:fld id="{96FB5D56-0812-4ED5-8B52-3D0DCBF578CB}" type="datetimeFigureOut">
               <a:rPr lang="en-US" smtClean="0"/>
-              <a:t>2/4/2018</a:t>
+              <a:t>7/18/2018</a:t>
             </a:fld>
             <a:endParaRPr lang="en-US"/>
           </a:p>
@@ -5093,7 +5082,7 @@
           </a:lstStyle>
           <a:p>
             <a:r>
-              <a:rPr lang="en-US" smtClean="0"/>
+              <a:rPr lang="en-US"/>
               <a:t>Click to edit Master title style</a:t>
             </a:r>
             <a:endParaRPr lang="en-US" dirty="0"/>
@@ -5214,7 +5203,7 @@
           <a:p>
             <a:pPr lvl="0"/>
             <a:r>
-              <a:rPr lang="en-US" smtClean="0"/>
+              <a:rPr lang="en-US"/>
               <a:t>Click to edit Master text styles</a:t>
             </a:r>
           </a:p>
@@ -5237,7 +5226,7 @@
           <a:p>
             <a:fld id="{96FB5D56-0812-4ED5-8B52-3D0DCBF578CB}" type="datetimeFigureOut">
               <a:rPr lang="en-US" smtClean="0"/>
-              <a:t>2/4/2018</a:t>
+              <a:t>7/18/2018</a:t>
             </a:fld>
             <a:endParaRPr lang="en-US"/>
           </a:p>
@@ -5335,7 +5324,7 @@
           </a:lstStyle>
           <a:p>
             <a:r>
-              <a:rPr lang="en-US" smtClean="0"/>
+              <a:rPr lang="en-US"/>
               <a:t>Click to edit Master title style</a:t>
             </a:r>
             <a:endParaRPr lang="en-US" dirty="0"/>
@@ -5410,7 +5399,7 @@
           <a:p>
             <a:pPr lvl="0"/>
             <a:r>
-              <a:rPr lang="en-US" smtClean="0"/>
+              <a:rPr lang="en-US"/>
               <a:t>Click to edit Master text styles</a:t>
             </a:r>
           </a:p>
@@ -5477,7 +5466,7 @@
           <a:p>
             <a:pPr lvl="0"/>
             <a:r>
-              <a:rPr lang="en-US" smtClean="0"/>
+              <a:rPr lang="en-US"/>
               <a:t>Click to edit Master text styles</a:t>
             </a:r>
           </a:p>
@@ -5551,7 +5540,7 @@
           <a:p>
             <a:pPr lvl="0"/>
             <a:r>
-              <a:rPr lang="en-US" smtClean="0"/>
+              <a:rPr lang="en-US"/>
               <a:t>Click to edit Master text styles</a:t>
             </a:r>
           </a:p>
@@ -5618,7 +5607,7 @@
           <a:p>
             <a:pPr lvl="0"/>
             <a:r>
-              <a:rPr lang="en-US" smtClean="0"/>
+              <a:rPr lang="en-US"/>
               <a:t>Click to edit Master text styles</a:t>
             </a:r>
           </a:p>
@@ -5692,7 +5681,7 @@
           <a:p>
             <a:pPr lvl="0"/>
             <a:r>
-              <a:rPr lang="en-US" smtClean="0"/>
+              <a:rPr lang="en-US"/>
               <a:t>Click to edit Master text styles</a:t>
             </a:r>
           </a:p>
@@ -5759,7 +5748,7 @@
           <a:p>
             <a:pPr lvl="0"/>
             <a:r>
-              <a:rPr lang="en-US" smtClean="0"/>
+              <a:rPr lang="en-US"/>
               <a:t>Click to edit Master text styles</a:t>
             </a:r>
           </a:p>
@@ -5860,7 +5849,7 @@
           <a:p>
             <a:fld id="{96FB5D56-0812-4ED5-8B52-3D0DCBF578CB}" type="datetimeFigureOut">
               <a:rPr lang="en-US" smtClean="0"/>
-              <a:t>2/4/2018</a:t>
+              <a:t>7/18/2018</a:t>
             </a:fld>
             <a:endParaRPr lang="en-US"/>
           </a:p>
@@ -5958,7 +5947,7 @@
           </a:lstStyle>
           <a:p>
             <a:r>
-              <a:rPr lang="en-US" smtClean="0"/>
+              <a:rPr lang="en-US"/>
               <a:t>Click to edit Master title style</a:t>
             </a:r>
             <a:endParaRPr lang="en-US" dirty="0"/>
@@ -6033,7 +6022,7 @@
           <a:p>
             <a:pPr lvl="0"/>
             <a:r>
-              <a:rPr lang="en-US" smtClean="0"/>
+              <a:rPr lang="en-US"/>
               <a:t>Click to edit Master text styles</a:t>
             </a:r>
           </a:p>
@@ -6111,7 +6100,7 @@
           </a:lstStyle>
           <a:p>
             <a:r>
-              <a:rPr lang="en-US" smtClean="0"/>
+              <a:rPr lang="en-US"/>
               <a:t>Click icon to add picture</a:t>
             </a:r>
             <a:endParaRPr lang="en-US" dirty="0"/>
@@ -6179,7 +6168,7 @@
           <a:p>
             <a:pPr lvl="0"/>
             <a:r>
-              <a:rPr lang="en-US" smtClean="0"/>
+              <a:rPr lang="en-US"/>
               <a:t>Click to edit Master text styles</a:t>
             </a:r>
           </a:p>
@@ -6253,7 +6242,7 @@
           <a:p>
             <a:pPr lvl="0"/>
             <a:r>
-              <a:rPr lang="en-US" smtClean="0"/>
+              <a:rPr lang="en-US"/>
               <a:t>Click to edit Master text styles</a:t>
             </a:r>
           </a:p>
@@ -6331,7 +6320,7 @@
           </a:lstStyle>
           <a:p>
             <a:r>
-              <a:rPr lang="en-US" smtClean="0"/>
+              <a:rPr lang="en-US"/>
               <a:t>Click icon to add picture</a:t>
             </a:r>
             <a:endParaRPr lang="en-US" dirty="0"/>
@@ -6399,7 +6388,7 @@
           <a:p>
             <a:pPr lvl="0"/>
             <a:r>
-              <a:rPr lang="en-US" smtClean="0"/>
+              <a:rPr lang="en-US"/>
               <a:t>Click to edit Master text styles</a:t>
             </a:r>
           </a:p>
@@ -6473,7 +6462,7 @@
           <a:p>
             <a:pPr lvl="0"/>
             <a:r>
-              <a:rPr lang="en-US" smtClean="0"/>
+              <a:rPr lang="en-US"/>
               <a:t>Click to edit Master text styles</a:t>
             </a:r>
           </a:p>
@@ -6551,7 +6540,7 @@
           </a:lstStyle>
           <a:p>
             <a:r>
-              <a:rPr lang="en-US" smtClean="0"/>
+              <a:rPr lang="en-US"/>
               <a:t>Click icon to add picture</a:t>
             </a:r>
             <a:endParaRPr lang="en-US" dirty="0"/>
@@ -6619,7 +6608,7 @@
           <a:p>
             <a:pPr lvl="0"/>
             <a:r>
-              <a:rPr lang="en-US" smtClean="0"/>
+              <a:rPr lang="en-US"/>
               <a:t>Click to edit Master text styles</a:t>
             </a:r>
           </a:p>
@@ -6720,7 +6709,7 @@
           <a:p>
             <a:fld id="{96FB5D56-0812-4ED5-8B52-3D0DCBF578CB}" type="datetimeFigureOut">
               <a:rPr lang="en-US" smtClean="0"/>
-              <a:t>2/4/2018</a:t>
+              <a:t>7/18/2018</a:t>
             </a:fld>
             <a:endParaRPr lang="en-US"/>
           </a:p>
@@ -6814,7 +6803,7 @@
           <a:lstStyle/>
           <a:p>
             <a:r>
-              <a:rPr lang="en-US" smtClean="0"/>
+              <a:rPr lang="en-US"/>
               <a:t>Click to edit Master title style</a:t>
             </a:r>
             <a:endParaRPr lang="en-US" dirty="0"/>
@@ -6838,35 +6827,35 @@
           <a:p>
             <a:pPr lvl="0"/>
             <a:r>
-              <a:rPr lang="en-US" smtClean="0"/>
+              <a:rPr lang="en-US"/>
               <a:t>Click to edit Master text styles</a:t>
             </a:r>
           </a:p>
           <a:p>
             <a:pPr lvl="1"/>
             <a:r>
-              <a:rPr lang="en-US" smtClean="0"/>
+              <a:rPr lang="en-US"/>
               <a:t>Second level</a:t>
             </a:r>
           </a:p>
           <a:p>
             <a:pPr lvl="2"/>
             <a:r>
-              <a:rPr lang="en-US" smtClean="0"/>
+              <a:rPr lang="en-US"/>
               <a:t>Third level</a:t>
             </a:r>
           </a:p>
           <a:p>
             <a:pPr lvl="3"/>
             <a:r>
-              <a:rPr lang="en-US" smtClean="0"/>
+              <a:rPr lang="en-US"/>
               <a:t>Fourth level</a:t>
             </a:r>
           </a:p>
           <a:p>
             <a:pPr lvl="4"/>
             <a:r>
-              <a:rPr lang="en-US" smtClean="0"/>
+              <a:rPr lang="en-US"/>
               <a:t>Fifth level</a:t>
             </a:r>
             <a:endParaRPr lang="en-US" dirty="0"/>
@@ -6890,7 +6879,7 @@
           <a:p>
             <a:fld id="{96FB5D56-0812-4ED5-8B52-3D0DCBF578CB}" type="datetimeFigureOut">
               <a:rPr lang="en-US" smtClean="0"/>
-              <a:t>2/4/2018</a:t>
+              <a:t>7/18/2018</a:t>
             </a:fld>
             <a:endParaRPr lang="en-US"/>
           </a:p>
@@ -6989,7 +6978,7 @@
           <a:lstStyle/>
           <a:p>
             <a:r>
-              <a:rPr lang="en-US" smtClean="0"/>
+              <a:rPr lang="en-US"/>
               <a:t>Click to edit Master title style</a:t>
             </a:r>
             <a:endParaRPr lang="en-US" dirty="0"/>
@@ -7018,35 +7007,35 @@
           <a:p>
             <a:pPr lvl="0"/>
             <a:r>
-              <a:rPr lang="en-US" smtClean="0"/>
+              <a:rPr lang="en-US"/>
               <a:t>Click to edit Master text styles</a:t>
             </a:r>
           </a:p>
           <a:p>
             <a:pPr lvl="1"/>
             <a:r>
-              <a:rPr lang="en-US" smtClean="0"/>
+              <a:rPr lang="en-US"/>
               <a:t>Second level</a:t>
             </a:r>
           </a:p>
           <a:p>
             <a:pPr lvl="2"/>
             <a:r>
-              <a:rPr lang="en-US" smtClean="0"/>
+              <a:rPr lang="en-US"/>
               <a:t>Third level</a:t>
             </a:r>
           </a:p>
           <a:p>
             <a:pPr lvl="3"/>
             <a:r>
-              <a:rPr lang="en-US" smtClean="0"/>
+              <a:rPr lang="en-US"/>
               <a:t>Fourth level</a:t>
             </a:r>
           </a:p>
           <a:p>
             <a:pPr lvl="4"/>
             <a:r>
-              <a:rPr lang="en-US" smtClean="0"/>
+              <a:rPr lang="en-US"/>
               <a:t>Fifth level</a:t>
             </a:r>
             <a:endParaRPr lang="en-US" dirty="0"/>
@@ -7070,7 +7059,7 @@
           <a:p>
             <a:fld id="{96FB5D56-0812-4ED5-8B52-3D0DCBF578CB}" type="datetimeFigureOut">
               <a:rPr lang="en-US" smtClean="0"/>
-              <a:t>2/4/2018</a:t>
+              <a:t>7/18/2018</a:t>
             </a:fld>
             <a:endParaRPr lang="en-US"/>
           </a:p>
@@ -7164,7 +7153,7 @@
           <a:lstStyle/>
           <a:p>
             <a:r>
-              <a:rPr lang="en-US" smtClean="0"/>
+              <a:rPr lang="en-US"/>
               <a:t>Click to edit Master title style</a:t>
             </a:r>
             <a:endParaRPr lang="en-US" dirty="0"/>
@@ -7188,35 +7177,35 @@
           <a:p>
             <a:pPr lvl="0"/>
             <a:r>
-              <a:rPr lang="en-US" smtClean="0"/>
+              <a:rPr lang="en-US"/>
               <a:t>Click to edit Master text styles</a:t>
             </a:r>
           </a:p>
           <a:p>
             <a:pPr lvl="1"/>
             <a:r>
-              <a:rPr lang="en-US" smtClean="0"/>
+              <a:rPr lang="en-US"/>
               <a:t>Second level</a:t>
             </a:r>
           </a:p>
           <a:p>
             <a:pPr lvl="2"/>
             <a:r>
-              <a:rPr lang="en-US" smtClean="0"/>
+              <a:rPr lang="en-US"/>
               <a:t>Third level</a:t>
             </a:r>
           </a:p>
           <a:p>
             <a:pPr lvl="3"/>
             <a:r>
-              <a:rPr lang="en-US" smtClean="0"/>
+              <a:rPr lang="en-US"/>
               <a:t>Fourth level</a:t>
             </a:r>
           </a:p>
           <a:p>
             <a:pPr lvl="4"/>
             <a:r>
-              <a:rPr lang="en-US" smtClean="0"/>
+              <a:rPr lang="en-US"/>
               <a:t>Fifth level</a:t>
             </a:r>
             <a:endParaRPr lang="en-US" dirty="0"/>
@@ -7240,7 +7229,7 @@
           <a:p>
             <a:fld id="{96FB5D56-0812-4ED5-8B52-3D0DCBF578CB}" type="datetimeFigureOut">
               <a:rPr lang="en-US" smtClean="0"/>
-              <a:t>2/4/2018</a:t>
+              <a:t>7/18/2018</a:t>
             </a:fld>
             <a:endParaRPr lang="en-US"/>
           </a:p>
@@ -7343,7 +7332,7 @@
           </a:lstStyle>
           <a:p>
             <a:r>
-              <a:rPr lang="en-US" smtClean="0"/>
+              <a:rPr lang="en-US"/>
               <a:t>Click to edit Master title style</a:t>
             </a:r>
             <a:endParaRPr lang="en-US" dirty="0"/>
@@ -7464,7 +7453,7 @@
           <a:p>
             <a:pPr lvl="0"/>
             <a:r>
-              <a:rPr lang="en-US" smtClean="0"/>
+              <a:rPr lang="en-US"/>
               <a:t>Click to edit Master text styles</a:t>
             </a:r>
           </a:p>
@@ -7487,7 +7476,7 @@
           <a:p>
             <a:fld id="{96FB5D56-0812-4ED5-8B52-3D0DCBF578CB}" type="datetimeFigureOut">
               <a:rPr lang="en-US" smtClean="0"/>
-              <a:t>2/4/2018</a:t>
+              <a:t>7/18/2018</a:t>
             </a:fld>
             <a:endParaRPr lang="en-US"/>
           </a:p>
@@ -7581,7 +7570,7 @@
           <a:lstStyle/>
           <a:p>
             <a:r>
-              <a:rPr lang="en-US" smtClean="0"/>
+              <a:rPr lang="en-US"/>
               <a:t>Click to edit Master title style</a:t>
             </a:r>
             <a:endParaRPr lang="en-US" dirty="0"/>
@@ -7640,35 +7629,35 @@
           <a:p>
             <a:pPr lvl="0"/>
             <a:r>
-              <a:rPr lang="en-US" smtClean="0"/>
+              <a:rPr lang="en-US"/>
               <a:t>Click to edit Master text styles</a:t>
             </a:r>
           </a:p>
           <a:p>
             <a:pPr lvl="1"/>
             <a:r>
-              <a:rPr lang="en-US" smtClean="0"/>
+              <a:rPr lang="en-US"/>
               <a:t>Second level</a:t>
             </a:r>
           </a:p>
           <a:p>
             <a:pPr lvl="2"/>
             <a:r>
-              <a:rPr lang="en-US" smtClean="0"/>
+              <a:rPr lang="en-US"/>
               <a:t>Third level</a:t>
             </a:r>
           </a:p>
           <a:p>
             <a:pPr lvl="3"/>
             <a:r>
-              <a:rPr lang="en-US" smtClean="0"/>
+              <a:rPr lang="en-US"/>
               <a:t>Fourth level</a:t>
             </a:r>
           </a:p>
           <a:p>
             <a:pPr lvl="4"/>
             <a:r>
-              <a:rPr lang="en-US" smtClean="0"/>
+              <a:rPr lang="en-US"/>
               <a:t>Fifth level</a:t>
             </a:r>
             <a:endParaRPr lang="en-US" dirty="0"/>
@@ -7727,35 +7716,35 @@
           <a:p>
             <a:pPr lvl="0"/>
             <a:r>
-              <a:rPr lang="en-US" smtClean="0"/>
+              <a:rPr lang="en-US"/>
               <a:t>Click to edit Master text styles</a:t>
             </a:r>
           </a:p>
           <a:p>
             <a:pPr lvl="1"/>
             <a:r>
-              <a:rPr lang="en-US" smtClean="0"/>
+              <a:rPr lang="en-US"/>
               <a:t>Second level</a:t>
             </a:r>
           </a:p>
           <a:p>
             <a:pPr lvl="2"/>
             <a:r>
-              <a:rPr lang="en-US" smtClean="0"/>
+              <a:rPr lang="en-US"/>
               <a:t>Third level</a:t>
             </a:r>
           </a:p>
           <a:p>
             <a:pPr lvl="3"/>
             <a:r>
-              <a:rPr lang="en-US" smtClean="0"/>
+              <a:rPr lang="en-US"/>
               <a:t>Fourth level</a:t>
             </a:r>
           </a:p>
           <a:p>
             <a:pPr lvl="4"/>
             <a:r>
-              <a:rPr lang="en-US" smtClean="0"/>
+              <a:rPr lang="en-US"/>
               <a:t>Fifth level</a:t>
             </a:r>
             <a:endParaRPr lang="en-US" dirty="0"/>
@@ -7779,7 +7768,7 @@
           <a:p>
             <a:fld id="{96FB5D56-0812-4ED5-8B52-3D0DCBF578CB}" type="datetimeFigureOut">
               <a:rPr lang="en-US" smtClean="0"/>
-              <a:t>2/4/2018</a:t>
+              <a:t>7/18/2018</a:t>
             </a:fld>
             <a:endParaRPr lang="en-US"/>
           </a:p>
@@ -7877,7 +7866,7 @@
           </a:lstStyle>
           <a:p>
             <a:r>
-              <a:rPr lang="en-US" smtClean="0"/>
+              <a:rPr lang="en-US"/>
               <a:t>Click to edit Master title style</a:t>
             </a:r>
             <a:endParaRPr lang="en-US" dirty="0"/>
@@ -7952,7 +7941,7 @@
           <a:p>
             <a:pPr lvl="0"/>
             <a:r>
-              <a:rPr lang="en-US" smtClean="0"/>
+              <a:rPr lang="en-US"/>
               <a:t>Click to edit Master text styles</a:t>
             </a:r>
           </a:p>
@@ -8010,35 +7999,35 @@
           <a:p>
             <a:pPr lvl="0"/>
             <a:r>
-              <a:rPr lang="en-US" smtClean="0"/>
+              <a:rPr lang="en-US"/>
               <a:t>Click to edit Master text styles</a:t>
             </a:r>
           </a:p>
           <a:p>
             <a:pPr lvl="1"/>
             <a:r>
-              <a:rPr lang="en-US" smtClean="0"/>
+              <a:rPr lang="en-US"/>
               <a:t>Second level</a:t>
             </a:r>
           </a:p>
           <a:p>
             <a:pPr lvl="2"/>
             <a:r>
-              <a:rPr lang="en-US" smtClean="0"/>
+              <a:rPr lang="en-US"/>
               <a:t>Third level</a:t>
             </a:r>
           </a:p>
           <a:p>
             <a:pPr lvl="3"/>
             <a:r>
-              <a:rPr lang="en-US" smtClean="0"/>
+              <a:rPr lang="en-US"/>
               <a:t>Fourth level</a:t>
             </a:r>
           </a:p>
           <a:p>
             <a:pPr lvl="4"/>
             <a:r>
-              <a:rPr lang="en-US" smtClean="0"/>
+              <a:rPr lang="en-US"/>
               <a:t>Fifth level</a:t>
             </a:r>
             <a:endParaRPr lang="en-US" dirty="0"/>
@@ -8113,7 +8102,7 @@
           <a:p>
             <a:pPr lvl="0"/>
             <a:r>
-              <a:rPr lang="en-US" smtClean="0"/>
+              <a:rPr lang="en-US"/>
               <a:t>Click to edit Master text styles</a:t>
             </a:r>
           </a:p>
@@ -8171,35 +8160,35 @@
           <a:p>
             <a:pPr lvl="0"/>
             <a:r>
-              <a:rPr lang="en-US" smtClean="0"/>
+              <a:rPr lang="en-US"/>
               <a:t>Click to edit Master text styles</a:t>
             </a:r>
           </a:p>
           <a:p>
             <a:pPr lvl="1"/>
             <a:r>
-              <a:rPr lang="en-US" smtClean="0"/>
+              <a:rPr lang="en-US"/>
               <a:t>Second level</a:t>
             </a:r>
           </a:p>
           <a:p>
             <a:pPr lvl="2"/>
             <a:r>
-              <a:rPr lang="en-US" smtClean="0"/>
+              <a:rPr lang="en-US"/>
               <a:t>Third level</a:t>
             </a:r>
           </a:p>
           <a:p>
             <a:pPr lvl="3"/>
             <a:r>
-              <a:rPr lang="en-US" smtClean="0"/>
+              <a:rPr lang="en-US"/>
               <a:t>Fourth level</a:t>
             </a:r>
           </a:p>
           <a:p>
             <a:pPr lvl="4"/>
             <a:r>
-              <a:rPr lang="en-US" smtClean="0"/>
+              <a:rPr lang="en-US"/>
               <a:t>Fifth level</a:t>
             </a:r>
             <a:endParaRPr lang="en-US" dirty="0"/>
@@ -8223,7 +8212,7 @@
           <a:p>
             <a:fld id="{96FB5D56-0812-4ED5-8B52-3D0DCBF578CB}" type="datetimeFigureOut">
               <a:rPr lang="en-US" smtClean="0"/>
-              <a:t>2/4/2018</a:t>
+              <a:t>7/18/2018</a:t>
             </a:fld>
             <a:endParaRPr lang="en-US"/>
           </a:p>
@@ -8317,7 +8306,7 @@
           <a:lstStyle/>
           <a:p>
             <a:r>
-              <a:rPr lang="en-US" smtClean="0"/>
+              <a:rPr lang="en-US"/>
               <a:t>Click to edit Master title style</a:t>
             </a:r>
             <a:endParaRPr lang="en-US" dirty="0"/>
@@ -8341,7 +8330,7 @@
           <a:p>
             <a:fld id="{96FB5D56-0812-4ED5-8B52-3D0DCBF578CB}" type="datetimeFigureOut">
               <a:rPr lang="en-US" smtClean="0"/>
-              <a:t>2/4/2018</a:t>
+              <a:t>7/18/2018</a:t>
             </a:fld>
             <a:endParaRPr lang="en-US"/>
           </a:p>
@@ -8436,7 +8425,7 @@
           <a:p>
             <a:fld id="{96FB5D56-0812-4ED5-8B52-3D0DCBF578CB}" type="datetimeFigureOut">
               <a:rPr lang="en-US" smtClean="0"/>
-              <a:t>2/4/2018</a:t>
+              <a:t>7/18/2018</a:t>
             </a:fld>
             <a:endParaRPr lang="en-US"/>
           </a:p>
@@ -8539,7 +8528,7 @@
           </a:lstStyle>
           <a:p>
             <a:r>
-              <a:rPr lang="en-US" smtClean="0"/>
+              <a:rPr lang="en-US"/>
               <a:t>Click to edit Master title style</a:t>
             </a:r>
             <a:endParaRPr lang="en-US" dirty="0"/>
@@ -8598,35 +8587,35 @@
           <a:p>
             <a:pPr lvl="0"/>
             <a:r>
-              <a:rPr lang="en-US" smtClean="0"/>
+              <a:rPr lang="en-US"/>
               <a:t>Click to edit Master text styles</a:t>
             </a:r>
           </a:p>
           <a:p>
             <a:pPr lvl="1"/>
             <a:r>
-              <a:rPr lang="en-US" smtClean="0"/>
+              <a:rPr lang="en-US"/>
               <a:t>Second level</a:t>
             </a:r>
           </a:p>
           <a:p>
             <a:pPr lvl="2"/>
             <a:r>
-              <a:rPr lang="en-US" smtClean="0"/>
+              <a:rPr lang="en-US"/>
               <a:t>Third level</a:t>
             </a:r>
           </a:p>
           <a:p>
             <a:pPr lvl="3"/>
             <a:r>
-              <a:rPr lang="en-US" smtClean="0"/>
+              <a:rPr lang="en-US"/>
               <a:t>Fourth level</a:t>
             </a:r>
           </a:p>
           <a:p>
             <a:pPr lvl="4"/>
             <a:r>
-              <a:rPr lang="en-US" smtClean="0"/>
+              <a:rPr lang="en-US"/>
               <a:t>Fifth level</a:t>
             </a:r>
             <a:endParaRPr lang="en-US" dirty="0"/>
@@ -8692,7 +8681,7 @@
           <a:p>
             <a:pPr lvl="0"/>
             <a:r>
-              <a:rPr lang="en-US" smtClean="0"/>
+              <a:rPr lang="en-US"/>
               <a:t>Click to edit Master text styles</a:t>
             </a:r>
           </a:p>
@@ -8715,7 +8704,7 @@
           <a:p>
             <a:fld id="{96FB5D56-0812-4ED5-8B52-3D0DCBF578CB}" type="datetimeFigureOut">
               <a:rPr lang="en-US" smtClean="0"/>
-              <a:t>2/4/2018</a:t>
+              <a:t>7/18/2018</a:t>
             </a:fld>
             <a:endParaRPr lang="en-US"/>
           </a:p>
@@ -8820,7 +8809,7 @@
           </a:lstStyle>
           <a:p>
             <a:r>
-              <a:rPr lang="en-US" smtClean="0"/>
+              <a:rPr lang="en-US"/>
               <a:t>Click to edit Master title style</a:t>
             </a:r>
             <a:endParaRPr lang="en-US" dirty="0"/>
@@ -8899,7 +8888,7 @@
           </a:lstStyle>
           <a:p>
             <a:r>
-              <a:rPr lang="en-US" smtClean="0"/>
+              <a:rPr lang="en-US"/>
               <a:t>Click icon to add picture</a:t>
             </a:r>
             <a:endParaRPr lang="en-US" dirty="0"/>
@@ -8967,7 +8956,7 @@
           <a:p>
             <a:pPr lvl="0"/>
             <a:r>
-              <a:rPr lang="en-US" smtClean="0"/>
+              <a:rPr lang="en-US"/>
               <a:t>Click to edit Master text styles</a:t>
             </a:r>
           </a:p>
@@ -8990,7 +8979,7 @@
           <a:p>
             <a:fld id="{96FB5D56-0812-4ED5-8B52-3D0DCBF578CB}" type="datetimeFigureOut">
               <a:rPr lang="en-US" smtClean="0"/>
-              <a:t>2/4/2018</a:t>
+              <a:t>7/18/2018</a:t>
             </a:fld>
             <a:endParaRPr lang="en-US"/>
           </a:p>
@@ -9314,7 +9303,7 @@
           <a:lstStyle/>
           <a:p>
             <a:r>
-              <a:rPr lang="en-US" smtClean="0"/>
+              <a:rPr lang="en-US"/>
               <a:t>Click to edit Master title style</a:t>
             </a:r>
             <a:endParaRPr lang="en-US" dirty="0"/>
@@ -9348,35 +9337,35 @@
           <a:p>
             <a:pPr lvl="0"/>
             <a:r>
-              <a:rPr lang="en-US" smtClean="0"/>
+              <a:rPr lang="en-US"/>
               <a:t>Click to edit Master text styles</a:t>
             </a:r>
           </a:p>
           <a:p>
             <a:pPr lvl="1"/>
             <a:r>
-              <a:rPr lang="en-US" smtClean="0"/>
+              <a:rPr lang="en-US"/>
               <a:t>Second level</a:t>
             </a:r>
           </a:p>
           <a:p>
             <a:pPr lvl="2"/>
             <a:r>
-              <a:rPr lang="en-US" smtClean="0"/>
+              <a:rPr lang="en-US"/>
               <a:t>Third level</a:t>
             </a:r>
           </a:p>
           <a:p>
             <a:pPr lvl="3"/>
             <a:r>
-              <a:rPr lang="en-US" smtClean="0"/>
+              <a:rPr lang="en-US"/>
               <a:t>Fourth level</a:t>
             </a:r>
           </a:p>
           <a:p>
             <a:pPr lvl="4"/>
             <a:r>
-              <a:rPr lang="en-US" smtClean="0"/>
+              <a:rPr lang="en-US"/>
               <a:t>Fifth level</a:t>
             </a:r>
             <a:endParaRPr lang="en-US" dirty="0"/>
@@ -9419,7 +9408,7 @@
           <a:p>
             <a:fld id="{96FB5D56-0812-4ED5-8B52-3D0DCBF578CB}" type="datetimeFigureOut">
               <a:rPr lang="en-US" smtClean="0"/>
-              <a:t>2/4/2018</a:t>
+              <a:t>7/18/2018</a:t>
             </a:fld>
             <a:endParaRPr lang="en-US"/>
           </a:p>
@@ -9963,14 +9952,13 @@
           <a:lstStyle/>
           <a:p>
             <a:r>
-              <a:rPr lang="en-US" dirty="0" err="1" smtClean="0"/>
+              <a:rPr lang="en-US" dirty="0" err="1"/>
               <a:t>Logols</a:t>
             </a:r>
             <a:r>
-              <a:rPr lang="en-US" dirty="0" smtClean="0"/>
+              <a:rPr lang="en-US" dirty="0"/>
               <a:t> Learning</a:t>
             </a:r>
-            <a:endParaRPr lang="en-US" dirty="0"/>
           </a:p>
         </p:txBody>
       </p:sp>
@@ -9996,10 +9984,9 @@
           </a:p>
           <a:p>
             <a:r>
-              <a:rPr lang="en-US" dirty="0" smtClean="0"/>
+              <a:rPr lang="en-US" dirty="0"/>
               <a:t>Training:  DATA MODELING</a:t>
             </a:r>
-            <a:endParaRPr lang="en-US" dirty="0"/>
           </a:p>
         </p:txBody>
       </p:sp>
@@ -10013,13 +10000,6 @@
   <p:clrMapOvr>
     <a:masterClrMapping/>
   </p:clrMapOvr>
-  <p:timing>
-    <p:tnLst>
-      <p:par>
-        <p:cTn id="1" dur="indefinite" restart="never" nodeType="tmRoot"/>
-      </p:par>
-    </p:tnLst>
-  </p:timing>
 </p:sld>
 </file>
 
@@ -10056,10 +10036,9 @@
           <a:lstStyle/>
           <a:p>
             <a:r>
-              <a:rPr lang="en-US" dirty="0" smtClean="0"/>
+              <a:rPr lang="en-US" dirty="0"/>
               <a:t>First Normal Form</a:t>
             </a:r>
-            <a:endParaRPr lang="en-US" dirty="0"/>
           </a:p>
         </p:txBody>
       </p:sp>
@@ -10073,7 +10052,12 @@
             <p:ph idx="1"/>
           </p:nvPr>
         </p:nvSpPr>
-        <p:spPr/>
+        <p:spPr>
+          <a:xfrm>
+            <a:off x="1104293" y="1853248"/>
+            <a:ext cx="8946541" cy="2690533"/>
+          </a:xfrm>
+        </p:spPr>
         <p:txBody>
           <a:bodyPr>
             <a:normAutofit/>
@@ -10081,29 +10065,28 @@
           <a:lstStyle/>
           <a:p>
             <a:r>
-              <a:rPr lang="en-US" sz="2800" dirty="0" smtClean="0"/>
+              <a:rPr lang="en-US" sz="2800" dirty="0"/>
               <a:t>Ensure Data is Atomic</a:t>
             </a:r>
           </a:p>
           <a:p>
             <a:pPr lvl="1"/>
             <a:r>
-              <a:rPr lang="en-US" sz="2800" dirty="0" smtClean="0"/>
+              <a:rPr lang="en-US" sz="2800" dirty="0"/>
               <a:t>Having no repeating groups (array of the same value)</a:t>
             </a:r>
           </a:p>
           <a:p>
             <a:r>
-              <a:rPr lang="en-US" sz="2800" dirty="0" smtClean="0"/>
+              <a:rPr lang="en-US" sz="2800" dirty="0"/>
               <a:t>Attribute cannot hold multiple values.</a:t>
             </a:r>
           </a:p>
           <a:p>
             <a:r>
-              <a:rPr lang="en-US" sz="2800" dirty="0" smtClean="0"/>
+              <a:rPr lang="en-US" sz="2800" dirty="0"/>
               <a:t>Define a primary or candidate key</a:t>
             </a:r>
-            <a:endParaRPr lang="en-US" sz="2800" dirty="0"/>
           </a:p>
         </p:txBody>
       </p:sp>
@@ -10153,10 +10136,9 @@
           <a:lstStyle/>
           <a:p>
             <a:r>
-              <a:rPr lang="en-US" dirty="0" smtClean="0"/>
+              <a:rPr lang="en-US" dirty="0"/>
               <a:t>EXAMPLE</a:t>
             </a:r>
-            <a:endParaRPr lang="en-US" dirty="0"/>
           </a:p>
         </p:txBody>
       </p:sp>
@@ -10176,10 +10158,9 @@
           <a:lstStyle/>
           <a:p>
             <a:r>
-              <a:rPr lang="en-US" dirty="0" smtClean="0"/>
+              <a:rPr lang="en-US" dirty="0"/>
               <a:t>First normal form</a:t>
             </a:r>
-            <a:endParaRPr lang="en-US" dirty="0"/>
           </a:p>
         </p:txBody>
       </p:sp>
@@ -10193,13 +10174,6 @@
   <p:clrMapOvr>
     <a:masterClrMapping/>
   </p:clrMapOvr>
-  <p:timing>
-    <p:tnLst>
-      <p:par>
-        <p:cTn id="1" dur="indefinite" restart="never" nodeType="tmRoot"/>
-      </p:par>
-    </p:tnLst>
-  </p:timing>
 </p:sld>
 </file>
 
@@ -10236,10 +10210,9 @@
           <a:lstStyle/>
           <a:p>
             <a:r>
-              <a:rPr lang="en-US" dirty="0" smtClean="0"/>
+              <a:rPr lang="en-US" dirty="0"/>
               <a:t>Second Normal Form</a:t>
             </a:r>
-            <a:endParaRPr lang="en-US" dirty="0"/>
           </a:p>
         </p:txBody>
       </p:sp>
@@ -10253,7 +10226,12 @@
             <p:ph idx="1"/>
           </p:nvPr>
         </p:nvSpPr>
-        <p:spPr/>
+        <p:spPr>
+          <a:xfrm>
+            <a:off x="1103312" y="2052918"/>
+            <a:ext cx="8946541" cy="4195481"/>
+          </a:xfrm>
+        </p:spPr>
         <p:txBody>
           <a:bodyPr>
             <a:normAutofit/>
@@ -10261,26 +10239,20 @@
           <a:lstStyle/>
           <a:p>
             <a:r>
-              <a:rPr lang="en-US" sz="2800" dirty="0" smtClean="0"/>
+              <a:rPr lang="en-US" sz="2800" dirty="0"/>
               <a:t>Table is in 1NF</a:t>
             </a:r>
           </a:p>
           <a:p>
             <a:r>
-              <a:rPr lang="en-US" sz="2800" dirty="0" smtClean="0"/>
-              <a:t>No non-prime attribute is dependent on the proper subset of any candidate key of table.</a:t>
-            </a:r>
-          </a:p>
-          <a:p>
-            <a:r>
-              <a:rPr lang="en-US" sz="2800" dirty="0" smtClean="0"/>
-              <a:t>An attribute that is not part of any candidate key is known as a non-prime attribute</a:t>
-            </a:r>
-          </a:p>
-          <a:p>
-            <a:r>
-              <a:rPr lang="en-US" sz="2800" dirty="0" smtClean="0"/>
-              <a:t>In other words remove functional dependencies</a:t>
+              <a:rPr lang="en-US" sz="2800" dirty="0"/>
+              <a:t>Non key attributes are dependent on the primary key</a:t>
+            </a:r>
+          </a:p>
+          <a:p>
+            <a:r>
+              <a:rPr lang="en-US" sz="2800" dirty="0"/>
+              <a:t>Put redundant data in another table</a:t>
             </a:r>
           </a:p>
         </p:txBody>
@@ -10331,10 +10303,9 @@
           <a:lstStyle/>
           <a:p>
             <a:r>
-              <a:rPr lang="en-US" dirty="0" smtClean="0"/>
+              <a:rPr lang="en-US" dirty="0"/>
               <a:t>EXAMPLE</a:t>
             </a:r>
-            <a:endParaRPr lang="en-US" dirty="0"/>
           </a:p>
         </p:txBody>
       </p:sp>
@@ -10354,10 +10325,9 @@
           <a:lstStyle/>
           <a:p>
             <a:r>
-              <a:rPr lang="en-US" dirty="0" smtClean="0"/>
+              <a:rPr lang="en-US" dirty="0"/>
               <a:t>Second normal form</a:t>
             </a:r>
-            <a:endParaRPr lang="en-US" dirty="0"/>
           </a:p>
         </p:txBody>
       </p:sp>
@@ -10371,13 +10341,6 @@
   <p:clrMapOvr>
     <a:masterClrMapping/>
   </p:clrMapOvr>
-  <p:timing>
-    <p:tnLst>
-      <p:par>
-        <p:cTn id="1" dur="indefinite" restart="never" nodeType="tmRoot"/>
-      </p:par>
-    </p:tnLst>
-  </p:timing>
 </p:sld>
 </file>
 
@@ -10414,10 +10377,9 @@
           <a:lstStyle/>
           <a:p>
             <a:r>
-              <a:rPr lang="en-US" dirty="0" smtClean="0"/>
+              <a:rPr lang="en-US" dirty="0"/>
               <a:t>Third Normal Form</a:t>
             </a:r>
-            <a:endParaRPr lang="en-US" dirty="0"/>
           </a:p>
         </p:txBody>
       </p:sp>
@@ -10431,7 +10393,12 @@
             <p:ph idx="1"/>
           </p:nvPr>
         </p:nvSpPr>
-        <p:spPr/>
+        <p:spPr>
+          <a:xfrm>
+            <a:off x="1103312" y="2052918"/>
+            <a:ext cx="8946541" cy="4195481"/>
+          </a:xfrm>
+        </p:spPr>
         <p:txBody>
           <a:bodyPr>
             <a:normAutofit/>
@@ -10439,30 +10406,21 @@
           <a:lstStyle/>
           <a:p>
             <a:r>
-              <a:rPr lang="en-US" sz="2800" dirty="0" smtClean="0"/>
+              <a:rPr lang="en-US" sz="2800" dirty="0"/>
               <a:t>Table is in 2NF</a:t>
             </a:r>
           </a:p>
           <a:p>
             <a:r>
-              <a:rPr lang="en-US" sz="2800" dirty="0" smtClean="0"/>
-              <a:t>Transitive functional dependency of non-prime attribute on any super key should be removed.</a:t>
-            </a:r>
-          </a:p>
-          <a:p>
-            <a:r>
-              <a:rPr lang="en-US" sz="2800" dirty="0" smtClean="0"/>
-              <a:t>A transitive dependency is a dependency between two </a:t>
-            </a:r>
-            <a:r>
-              <a:rPr lang="en-US" sz="2800" dirty="0" err="1" smtClean="0"/>
-              <a:t>nonkey</a:t>
-            </a:r>
-            <a:r>
-              <a:rPr lang="en-US" sz="2800" dirty="0" smtClean="0"/>
-              <a:t> attributes</a:t>
-            </a:r>
-            <a:endParaRPr lang="en-US" sz="2800" dirty="0"/>
+              <a:rPr lang="en-US" sz="2800" dirty="0"/>
+              <a:t>Non key attributes are dependent on the whole primary key (not just part of it)</a:t>
+            </a:r>
+          </a:p>
+          <a:p>
+            <a:r>
+              <a:rPr lang="en-US" sz="2800" dirty="0"/>
+              <a:t>Put redundant data in another table</a:t>
+            </a:r>
           </a:p>
         </p:txBody>
       </p:sp>
@@ -10512,10 +10470,9 @@
           <a:lstStyle/>
           <a:p>
             <a:r>
-              <a:rPr lang="en-US" dirty="0" smtClean="0"/>
+              <a:rPr lang="en-US" dirty="0"/>
               <a:t>EXAMPLE</a:t>
             </a:r>
-            <a:endParaRPr lang="en-US" dirty="0"/>
           </a:p>
         </p:txBody>
       </p:sp>
@@ -10535,10 +10492,9 @@
           <a:lstStyle/>
           <a:p>
             <a:r>
-              <a:rPr lang="en-US" dirty="0" smtClean="0"/>
+              <a:rPr lang="en-US" dirty="0"/>
               <a:t>Third normal form</a:t>
             </a:r>
-            <a:endParaRPr lang="en-US" dirty="0"/>
           </a:p>
         </p:txBody>
       </p:sp>
@@ -10552,13 +10508,6 @@
   <p:clrMapOvr>
     <a:masterClrMapping/>
   </p:clrMapOvr>
-  <p:timing>
-    <p:tnLst>
-      <p:par>
-        <p:cTn id="1" dur="indefinite" restart="never" nodeType="tmRoot"/>
-      </p:par>
-    </p:tnLst>
-  </p:timing>
 </p:sld>
 </file>
 
@@ -10595,10 +10544,9 @@
           <a:lstStyle/>
           <a:p>
             <a:r>
-              <a:rPr lang="en-US" dirty="0" smtClean="0"/>
+              <a:rPr lang="en-US" dirty="0"/>
               <a:t>ASSESSMENT</a:t>
             </a:r>
-            <a:endParaRPr lang="en-US" dirty="0"/>
           </a:p>
         </p:txBody>
       </p:sp>
@@ -10618,10 +10566,9 @@
           <a:lstStyle/>
           <a:p>
             <a:r>
-              <a:rPr lang="en-US" dirty="0" smtClean="0"/>
+              <a:rPr lang="en-US" dirty="0"/>
               <a:t>Normalization</a:t>
             </a:r>
-            <a:endParaRPr lang="en-US" dirty="0"/>
           </a:p>
         </p:txBody>
       </p:sp>
@@ -10665,13 +10612,6 @@
   <p:clrMapOvr>
     <a:masterClrMapping/>
   </p:clrMapOvr>
-  <p:timing>
-    <p:tnLst>
-      <p:par>
-        <p:cTn id="1" dur="indefinite" restart="never" nodeType="tmRoot"/>
-      </p:par>
-    </p:tnLst>
-  </p:timing>
 </p:sld>
 </file>
 
@@ -10708,10 +10648,9 @@
           <a:lstStyle/>
           <a:p>
             <a:r>
-              <a:rPr lang="en-US" dirty="0" smtClean="0"/>
+              <a:rPr lang="en-US" dirty="0"/>
               <a:t>TEAM PROJECT</a:t>
             </a:r>
-            <a:endParaRPr lang="en-US" dirty="0"/>
           </a:p>
         </p:txBody>
       </p:sp>
@@ -10731,7 +10670,7 @@
           <a:lstStyle/>
           <a:p>
             <a:r>
-              <a:rPr lang="en-US" dirty="0" smtClean="0">
+              <a:rPr lang="en-US" dirty="0">
                 <a:solidFill>
                   <a:schemeClr val="bg2">
                     <a:lumMod val="40000"/>
@@ -10741,14 +10680,6 @@
               </a:rPr>
               <a:t>normalization</a:t>
             </a:r>
-            <a:endParaRPr lang="en-US" dirty="0">
-              <a:solidFill>
-                <a:schemeClr val="bg2">
-                  <a:lumMod val="40000"/>
-                  <a:lumOff val="60000"/>
-                </a:schemeClr>
-              </a:solidFill>
-            </a:endParaRPr>
           </a:p>
         </p:txBody>
       </p:sp>
@@ -10762,13 +10693,6 @@
   <p:clrMapOvr>
     <a:masterClrMapping/>
   </p:clrMapOvr>
-  <p:timing>
-    <p:tnLst>
-      <p:par>
-        <p:cTn id="1" dur="indefinite" restart="never" nodeType="tmRoot"/>
-      </p:par>
-    </p:tnLst>
-  </p:timing>
 </p:sld>
 </file>
 
@@ -10805,10 +10729,9 @@
           <a:lstStyle/>
           <a:p>
             <a:r>
-              <a:rPr lang="en-US" dirty="0" smtClean="0"/>
+              <a:rPr lang="en-US" dirty="0"/>
               <a:t>Relational Database Terminology</a:t>
             </a:r>
-            <a:endParaRPr lang="en-US" dirty="0"/>
           </a:p>
         </p:txBody>
       </p:sp>
@@ -10830,54 +10753,53 @@
           <a:lstStyle/>
           <a:p>
             <a:r>
-              <a:rPr lang="en-US" sz="2400" dirty="0" smtClean="0"/>
+              <a:rPr lang="en-US" sz="2400" dirty="0"/>
               <a:t>Table - Relation</a:t>
             </a:r>
           </a:p>
           <a:p>
             <a:pPr lvl="1"/>
             <a:r>
-              <a:rPr lang="en-US" sz="2400" dirty="0" smtClean="0"/>
+              <a:rPr lang="en-US" sz="2400" dirty="0"/>
               <a:t>Column – Relation Header Attribute</a:t>
             </a:r>
           </a:p>
           <a:p>
             <a:pPr lvl="1"/>
             <a:r>
-              <a:rPr lang="en-US" sz="2400" dirty="0" smtClean="0"/>
+              <a:rPr lang="en-US" sz="2400" dirty="0"/>
               <a:t>Row– Relation Body</a:t>
             </a:r>
           </a:p>
           <a:p>
             <a:r>
-              <a:rPr lang="en-US" sz="2400" dirty="0" smtClean="0"/>
+              <a:rPr lang="en-US" sz="2400" dirty="0"/>
               <a:t>Constraint – Predicate on a column</a:t>
             </a:r>
           </a:p>
           <a:p>
             <a:r>
-              <a:rPr lang="en-US" sz="2400" dirty="0" smtClean="0"/>
+              <a:rPr lang="en-US" sz="2400" dirty="0"/>
               <a:t>Primary Key – Uniquely Defines the table</a:t>
             </a:r>
           </a:p>
           <a:p>
             <a:r>
-              <a:rPr lang="en-US" sz="2400" dirty="0" smtClean="0"/>
+              <a:rPr lang="en-US" sz="2400" dirty="0"/>
               <a:t>Foreign Key – Relates to another table</a:t>
             </a:r>
           </a:p>
           <a:p>
             <a:r>
-              <a:rPr lang="en-US" sz="2400" dirty="0" smtClean="0"/>
+              <a:rPr lang="en-US" sz="2400" dirty="0"/>
               <a:t>Index – Provides quicker data access on one or a set of columns</a:t>
             </a:r>
           </a:p>
           <a:p>
             <a:r>
-              <a:rPr lang="en-US" sz="2400" dirty="0" smtClean="0"/>
+              <a:rPr lang="en-US" sz="2400" dirty="0"/>
               <a:t>SQL – Structured Query Language – Query</a:t>
             </a:r>
-            <a:endParaRPr lang="en-US" sz="2400" dirty="0"/>
           </a:p>
         </p:txBody>
       </p:sp>
@@ -10927,10 +10849,9 @@
           <a:lstStyle/>
           <a:p>
             <a:r>
-              <a:rPr lang="en-US" dirty="0" smtClean="0"/>
+              <a:rPr lang="en-US" dirty="0"/>
               <a:t>Primary Keys</a:t>
             </a:r>
-            <a:endParaRPr lang="en-US" dirty="0"/>
           </a:p>
         </p:txBody>
       </p:sp>
@@ -10950,42 +10871,41 @@
           <a:lstStyle/>
           <a:p>
             <a:r>
-              <a:rPr lang="en-US" sz="2800" dirty="0" smtClean="0"/>
+              <a:rPr lang="en-US" sz="2800" dirty="0"/>
               <a:t>Primary Key</a:t>
             </a:r>
-            <a:endParaRPr lang="en-US" sz="2800" dirty="0"/>
           </a:p>
           <a:p>
             <a:pPr lvl="1"/>
             <a:r>
-              <a:rPr lang="en-US" sz="2600" dirty="0" smtClean="0"/>
+              <a:rPr lang="en-US" sz="2600" dirty="0"/>
               <a:t>Uniquely defines a record in a table</a:t>
             </a:r>
           </a:p>
           <a:p>
             <a:pPr lvl="1"/>
             <a:r>
-              <a:rPr lang="en-US" sz="2600" dirty="0" smtClean="0"/>
+              <a:rPr lang="en-US" sz="2600" dirty="0"/>
               <a:t>Types:</a:t>
             </a:r>
           </a:p>
           <a:p>
             <a:pPr lvl="2"/>
             <a:r>
-              <a:rPr lang="en-US" sz="2600" dirty="0" smtClean="0"/>
+              <a:rPr lang="en-US" sz="2600" dirty="0"/>
               <a:t>Composite</a:t>
             </a:r>
           </a:p>
           <a:p>
             <a:pPr lvl="2"/>
             <a:r>
-              <a:rPr lang="en-US" sz="2600" dirty="0" smtClean="0"/>
+              <a:rPr lang="en-US" sz="2600" dirty="0"/>
               <a:t>Surrogate</a:t>
             </a:r>
           </a:p>
           <a:p>
             <a:r>
-              <a:rPr lang="en-US" sz="3000" dirty="0" smtClean="0"/>
+              <a:rPr lang="en-US" sz="3000" dirty="0"/>
               <a:t>Foreign Key</a:t>
             </a:r>
           </a:p>
@@ -11048,10 +10968,9 @@
           <a:lstStyle/>
           <a:p>
             <a:r>
-              <a:rPr lang="en-US" dirty="0" smtClean="0"/>
+              <a:rPr lang="en-US" dirty="0"/>
               <a:t>Entities</a:t>
             </a:r>
-            <a:endParaRPr lang="en-US" dirty="0"/>
           </a:p>
         </p:txBody>
       </p:sp>
@@ -11073,61 +10992,61 @@
           <a:lstStyle/>
           <a:p>
             <a:r>
-              <a:rPr lang="en-US" sz="2800" dirty="0" smtClean="0"/>
+              <a:rPr lang="en-US" sz="2800" dirty="0"/>
               <a:t>Types of data</a:t>
             </a:r>
           </a:p>
           <a:p>
             <a:pPr lvl="1"/>
             <a:r>
-              <a:rPr lang="en-US" sz="2000" dirty="0" smtClean="0"/>
+              <a:rPr lang="en-US" sz="2000" dirty="0"/>
               <a:t>Exist physically or logically</a:t>
             </a:r>
           </a:p>
           <a:p>
             <a:pPr lvl="1"/>
             <a:r>
-              <a:rPr lang="en-US" sz="2000" dirty="0" smtClean="0"/>
+              <a:rPr lang="en-US" sz="2000" dirty="0"/>
               <a:t>Think of nouns</a:t>
             </a:r>
           </a:p>
           <a:p>
             <a:r>
-              <a:rPr lang="en-US" sz="2800" dirty="0" smtClean="0"/>
+              <a:rPr lang="en-US" sz="2800" dirty="0"/>
               <a:t>Physical Ex.</a:t>
             </a:r>
           </a:p>
           <a:p>
             <a:pPr lvl="1"/>
             <a:r>
-              <a:rPr lang="en-US" sz="2000" dirty="0" smtClean="0"/>
+              <a:rPr lang="en-US" sz="2000" dirty="0"/>
               <a:t>Customer</a:t>
             </a:r>
           </a:p>
           <a:p>
             <a:pPr lvl="1"/>
             <a:r>
-              <a:rPr lang="en-US" sz="2000" dirty="0" smtClean="0"/>
+              <a:rPr lang="en-US" sz="2000" dirty="0"/>
               <a:t>Employee</a:t>
             </a:r>
           </a:p>
           <a:p>
             <a:r>
-              <a:rPr lang="en-US" sz="2800" dirty="0" smtClean="0"/>
+              <a:rPr lang="en-US" sz="2800" dirty="0"/>
               <a:t>Logical Ex.</a:t>
             </a:r>
           </a:p>
           <a:p>
             <a:pPr lvl="1"/>
             <a:r>
-              <a:rPr lang="en-US" sz="2000" dirty="0" smtClean="0"/>
+              <a:rPr lang="en-US" sz="2000" dirty="0"/>
               <a:t>Transaction</a:t>
             </a:r>
           </a:p>
           <a:p>
             <a:pPr lvl="1"/>
             <a:r>
-              <a:rPr lang="en-US" sz="2000" dirty="0" smtClean="0"/>
+              <a:rPr lang="en-US" sz="2000" dirty="0"/>
               <a:t>Bill of Materials</a:t>
             </a:r>
           </a:p>
@@ -11151,10 +11070,9 @@
           <a:lstStyle/>
           <a:p>
             <a:r>
-              <a:rPr lang="en-US" sz="2800" dirty="0" smtClean="0"/>
+              <a:rPr lang="en-US" sz="2800" dirty="0"/>
               <a:t>Shape:  Rectangle</a:t>
             </a:r>
-            <a:endParaRPr lang="en-US" sz="2800" dirty="0"/>
           </a:p>
         </p:txBody>
       </p:sp>
@@ -11195,10 +11113,9 @@
           <a:p>
             <a:pPr algn="ctr"/>
             <a:r>
-              <a:rPr lang="en-US" dirty="0" smtClean="0"/>
+              <a:rPr lang="en-US" dirty="0"/>
               <a:t>Entity</a:t>
             </a:r>
-            <a:endParaRPr lang="en-US" dirty="0"/>
           </a:p>
         </p:txBody>
       </p:sp>
@@ -11248,10 +11165,9 @@
           <a:lstStyle/>
           <a:p>
             <a:r>
-              <a:rPr lang="en-US" dirty="0" smtClean="0"/>
+              <a:rPr lang="en-US" dirty="0"/>
               <a:t>EXAMPLE</a:t>
             </a:r>
-            <a:endParaRPr lang="en-US" dirty="0"/>
           </a:p>
         </p:txBody>
       </p:sp>
@@ -11271,10 +11187,9 @@
           <a:lstStyle/>
           <a:p>
             <a:r>
-              <a:rPr lang="en-US" dirty="0" smtClean="0"/>
+              <a:rPr lang="en-US" dirty="0"/>
               <a:t>Physical Data Model</a:t>
             </a:r>
-            <a:endParaRPr lang="en-US" dirty="0"/>
           </a:p>
         </p:txBody>
       </p:sp>
@@ -11288,13 +11203,6 @@
   <p:clrMapOvr>
     <a:masterClrMapping/>
   </p:clrMapOvr>
-  <p:timing>
-    <p:tnLst>
-      <p:par>
-        <p:cTn id="1" dur="indefinite" restart="never" nodeType="tmRoot"/>
-      </p:par>
-    </p:tnLst>
-  </p:timing>
 </p:sld>
 </file>
 
@@ -11331,10 +11239,9 @@
           <a:lstStyle/>
           <a:p>
             <a:r>
-              <a:rPr lang="en-US" dirty="0" smtClean="0"/>
+              <a:rPr lang="en-US" dirty="0"/>
               <a:t>ASSESSMENT</a:t>
             </a:r>
-            <a:endParaRPr lang="en-US" dirty="0"/>
           </a:p>
         </p:txBody>
       </p:sp>
@@ -11400,13 +11307,6 @@
   <p:clrMapOvr>
     <a:masterClrMapping/>
   </p:clrMapOvr>
-  <p:timing>
-    <p:tnLst>
-      <p:par>
-        <p:cTn id="1" dur="indefinite" restart="never" nodeType="tmRoot"/>
-      </p:par>
-    </p:tnLst>
-  </p:timing>
 </p:sld>
 </file>
 
@@ -11443,10 +11343,9 @@
           <a:lstStyle/>
           <a:p>
             <a:r>
-              <a:rPr lang="en-US" dirty="0" smtClean="0"/>
+              <a:rPr lang="en-US" dirty="0"/>
               <a:t>TEAM PROJECT</a:t>
             </a:r>
-            <a:endParaRPr lang="en-US" dirty="0"/>
           </a:p>
         </p:txBody>
       </p:sp>
@@ -11466,7 +11365,7 @@
           <a:lstStyle/>
           <a:p>
             <a:r>
-              <a:rPr lang="en-US" dirty="0" smtClean="0">
+              <a:rPr lang="en-US" dirty="0">
                 <a:solidFill>
                   <a:schemeClr val="bg2">
                     <a:lumMod val="40000"/>
@@ -11476,14 +11375,6 @@
               </a:rPr>
               <a:t>Physical data model</a:t>
             </a:r>
-            <a:endParaRPr lang="en-US" dirty="0">
-              <a:solidFill>
-                <a:schemeClr val="bg2">
-                  <a:lumMod val="40000"/>
-                  <a:lumOff val="60000"/>
-                </a:schemeClr>
-              </a:solidFill>
-            </a:endParaRPr>
           </a:p>
         </p:txBody>
       </p:sp>
@@ -11497,13 +11388,6 @@
   <p:clrMapOvr>
     <a:masterClrMapping/>
   </p:clrMapOvr>
-  <p:timing>
-    <p:tnLst>
-      <p:par>
-        <p:cTn id="1" dur="indefinite" restart="never" nodeType="tmRoot"/>
-      </p:par>
-    </p:tnLst>
-  </p:timing>
 </p:sld>
 </file>
 
@@ -11540,10 +11424,9 @@
           <a:lstStyle/>
           <a:p>
             <a:r>
-              <a:rPr lang="en-US" dirty="0" smtClean="0"/>
+              <a:rPr lang="en-US" dirty="0"/>
               <a:t>QUICK REVIEW</a:t>
             </a:r>
-            <a:endParaRPr lang="en-US" dirty="0"/>
           </a:p>
         </p:txBody>
       </p:sp>
@@ -11563,10 +11446,9 @@
           <a:lstStyle/>
           <a:p>
             <a:r>
-              <a:rPr lang="en-US" dirty="0" smtClean="0"/>
+              <a:rPr lang="en-US" dirty="0"/>
               <a:t>Data Modeling</a:t>
             </a:r>
-            <a:endParaRPr lang="en-US" dirty="0"/>
           </a:p>
         </p:txBody>
       </p:sp>
@@ -11610,13 +11492,6 @@
   <p:clrMapOvr>
     <a:masterClrMapping/>
   </p:clrMapOvr>
-  <p:timing>
-    <p:tnLst>
-      <p:par>
-        <p:cTn id="1" dur="indefinite" restart="never" nodeType="tmRoot"/>
-      </p:par>
-    </p:tnLst>
-  </p:timing>
 </p:sld>
 </file>
 
@@ -11653,10 +11528,9 @@
           <a:lstStyle/>
           <a:p>
             <a:r>
-              <a:rPr lang="en-US" dirty="0" smtClean="0"/>
+              <a:rPr lang="en-US" dirty="0"/>
               <a:t>Additional Resources</a:t>
             </a:r>
-            <a:endParaRPr lang="en-US" dirty="0"/>
           </a:p>
         </p:txBody>
       </p:sp>
@@ -11684,7 +11558,7 @@
           <a:p>
             <a:pPr lvl="0"/>
             <a:r>
-              <a:rPr lang="en-US" sz="2800" dirty="0" smtClean="0"/>
+              <a:rPr lang="en-US" sz="2800" dirty="0"/>
               <a:t>Data Modeling 101</a:t>
             </a:r>
           </a:p>
@@ -11694,19 +11568,13 @@
               <a:rPr lang="en-US" sz="2600" dirty="0">
                 <a:hlinkClick r:id="rId3"/>
               </a:rPr>
-              <a:t>http://</a:t>
-            </a:r>
-            <a:r>
-              <a:rPr lang="en-US" sz="2600" dirty="0" smtClean="0">
-                <a:hlinkClick r:id="rId3"/>
-              </a:rPr>
-              <a:t>www.agiledata.org/essays/dataModeling101.html</a:t>
-            </a:r>
-            <a:endParaRPr lang="en-US" sz="2600" dirty="0" smtClean="0"/>
-          </a:p>
-          <a:p>
-            <a:r>
-              <a:rPr lang="en-US" sz="3000" dirty="0" smtClean="0"/>
+              <a:t>http://www.agiledata.org/essays/dataModeling101.html</a:t>
+            </a:r>
+            <a:endParaRPr lang="en-US" sz="2600" dirty="0"/>
+          </a:p>
+          <a:p>
+            <a:r>
+              <a:rPr lang="en-US" sz="3000" dirty="0"/>
               <a:t>Normalization Videos:</a:t>
             </a:r>
           </a:p>
@@ -11716,15 +11584,9 @@
               <a:rPr lang="en-US" sz="2600" dirty="0">
                 <a:hlinkClick r:id="rId4"/>
               </a:rPr>
-              <a:t>https://</a:t>
-            </a:r>
-            <a:r>
-              <a:rPr lang="en-US" sz="2600" dirty="0" smtClean="0">
-                <a:hlinkClick r:id="rId4"/>
-              </a:rPr>
-              <a:t>www.youtube.com/watch?v=NScuEk7CSNo</a:t>
-            </a:r>
-            <a:endParaRPr lang="en-US" sz="2600" dirty="0" smtClean="0"/>
+              <a:t>https://www.youtube.com/watch?v=NScuEk7CSNo</a:t>
+            </a:r>
+            <a:endParaRPr lang="en-US" sz="2600" dirty="0"/>
           </a:p>
           <a:p>
             <a:pPr lvl="1"/>
@@ -11732,15 +11594,9 @@
               <a:rPr lang="en-US" sz="2600" dirty="0">
                 <a:hlinkClick r:id="rId5"/>
               </a:rPr>
-              <a:t>https://</a:t>
-            </a:r>
-            <a:r>
-              <a:rPr lang="en-US" sz="2600" dirty="0" smtClean="0">
-                <a:hlinkClick r:id="rId5"/>
-              </a:rPr>
-              <a:t>www.youtube.com/watch?v=0suZ8H_bDgY&amp;t=487s</a:t>
-            </a:r>
-            <a:endParaRPr lang="en-US" sz="2600" dirty="0" smtClean="0"/>
+              <a:t>https://www.youtube.com/watch?v=0suZ8H_bDgY&amp;t=487s</a:t>
+            </a:r>
+            <a:endParaRPr lang="en-US" sz="2600" dirty="0"/>
           </a:p>
         </p:txBody>
       </p:sp>
@@ -11790,10 +11646,9 @@
           <a:lstStyle/>
           <a:p>
             <a:r>
-              <a:rPr lang="en-US" dirty="0" smtClean="0"/>
+              <a:rPr lang="en-US" dirty="0"/>
               <a:t>Attributes</a:t>
             </a:r>
-            <a:endParaRPr lang="en-US" dirty="0"/>
           </a:p>
         </p:txBody>
       </p:sp>
@@ -11815,41 +11670,41 @@
           <a:lstStyle/>
           <a:p>
             <a:r>
-              <a:rPr lang="en-US" sz="2800" dirty="0" smtClean="0"/>
+              <a:rPr lang="en-US" sz="2800" dirty="0"/>
               <a:t>Fields within an Entity</a:t>
             </a:r>
           </a:p>
           <a:p>
             <a:r>
-              <a:rPr lang="en-US" sz="2800" dirty="0" smtClean="0"/>
+              <a:rPr lang="en-US" sz="2800" dirty="0"/>
               <a:t>Ex.  A Person Entity has the following attributes:</a:t>
             </a:r>
           </a:p>
           <a:p>
             <a:pPr lvl="1"/>
             <a:r>
-              <a:rPr lang="en-US" sz="2000" dirty="0" smtClean="0"/>
+              <a:rPr lang="en-US" sz="2000" dirty="0"/>
               <a:t>Name</a:t>
             </a:r>
           </a:p>
           <a:p>
             <a:pPr lvl="1"/>
             <a:r>
-              <a:rPr lang="en-US" sz="2000" dirty="0" smtClean="0"/>
+              <a:rPr lang="en-US" sz="2000" dirty="0"/>
               <a:t>Phone Number</a:t>
             </a:r>
           </a:p>
           <a:p>
             <a:pPr lvl="1"/>
             <a:r>
-              <a:rPr lang="en-US" sz="2000" dirty="0" smtClean="0"/>
+              <a:rPr lang="en-US" sz="2000" dirty="0"/>
               <a:t>Address</a:t>
             </a:r>
           </a:p>
           <a:p>
             <a:pPr lvl="1"/>
             <a:r>
-              <a:rPr lang="en-US" sz="2000" dirty="0" smtClean="0"/>
+              <a:rPr lang="en-US" sz="2000" dirty="0"/>
               <a:t>Social Security Number</a:t>
             </a:r>
           </a:p>
@@ -11873,10 +11728,9 @@
           <a:lstStyle/>
           <a:p>
             <a:r>
-              <a:rPr lang="en-US" sz="2800" dirty="0" smtClean="0"/>
+              <a:rPr lang="en-US" sz="2800" dirty="0"/>
               <a:t>Shape:  Oval</a:t>
             </a:r>
-            <a:endParaRPr lang="en-US" sz="2800" dirty="0"/>
           </a:p>
         </p:txBody>
       </p:sp>
@@ -11917,10 +11771,9 @@
           <a:p>
             <a:pPr algn="ctr"/>
             <a:r>
-              <a:rPr lang="en-US" dirty="0" smtClean="0"/>
+              <a:rPr lang="en-US" dirty="0"/>
               <a:t>Attribute</a:t>
             </a:r>
-            <a:endParaRPr lang="en-US" dirty="0"/>
           </a:p>
         </p:txBody>
       </p:sp>
@@ -11970,10 +11823,9 @@
           <a:lstStyle/>
           <a:p>
             <a:r>
-              <a:rPr lang="en-US" dirty="0" smtClean="0"/>
+              <a:rPr lang="en-US" dirty="0"/>
               <a:t>Relationships</a:t>
             </a:r>
-            <a:endParaRPr lang="en-US" dirty="0"/>
           </a:p>
         </p:txBody>
       </p:sp>
@@ -11995,50 +11847,46 @@
           <a:lstStyle/>
           <a:p>
             <a:r>
-              <a:rPr lang="en-US" sz="2800" dirty="0" smtClean="0"/>
+              <a:rPr lang="en-US" sz="2800" dirty="0"/>
               <a:t>Which entities are related</a:t>
             </a:r>
           </a:p>
           <a:p>
             <a:r>
               <a:rPr lang="en-US" sz="2800" dirty="0"/>
-              <a:t>Think of </a:t>
-            </a:r>
-            <a:r>
-              <a:rPr lang="en-US" sz="2800" dirty="0" smtClean="0"/>
-              <a:t>verbs</a:t>
-            </a:r>
-          </a:p>
-          <a:p>
-            <a:r>
-              <a:rPr lang="en-US" sz="2800" dirty="0" smtClean="0"/>
+              <a:t>Think of verbs</a:t>
+            </a:r>
+          </a:p>
+          <a:p>
+            <a:r>
+              <a:rPr lang="en-US" sz="2800" dirty="0"/>
               <a:t>How entities are related - Cardinality</a:t>
             </a:r>
           </a:p>
           <a:p>
             <a:pPr lvl="1"/>
             <a:r>
-              <a:rPr lang="en-US" sz="2000" dirty="0" smtClean="0"/>
+              <a:rPr lang="en-US" sz="2000" dirty="0"/>
               <a:t>One to One</a:t>
             </a:r>
           </a:p>
           <a:p>
             <a:pPr lvl="1"/>
             <a:r>
-              <a:rPr lang="en-US" sz="2000" dirty="0" smtClean="0"/>
+              <a:rPr lang="en-US" sz="2000" dirty="0"/>
               <a:t>One to Many</a:t>
             </a:r>
           </a:p>
           <a:p>
             <a:pPr lvl="1"/>
             <a:r>
-              <a:rPr lang="en-US" sz="2000" dirty="0" smtClean="0"/>
+              <a:rPr lang="en-US" sz="2000" dirty="0"/>
               <a:t>Many to Many</a:t>
             </a:r>
           </a:p>
           <a:p>
             <a:pPr lvl="1"/>
-            <a:endParaRPr lang="en-US" dirty="0" smtClean="0"/>
+            <a:endParaRPr lang="en-US" dirty="0"/>
           </a:p>
         </p:txBody>
       </p:sp>
@@ -12060,21 +11908,21 @@
           <a:lstStyle/>
           <a:p>
             <a:r>
-              <a:rPr lang="en-US" sz="2800" dirty="0" smtClean="0"/>
+              <a:rPr lang="en-US" sz="2800" dirty="0"/>
               <a:t>Shape:  Line</a:t>
             </a:r>
           </a:p>
           <a:p>
             <a:pPr lvl="1"/>
             <a:r>
-              <a:rPr lang="en-US" sz="2800" dirty="0" smtClean="0"/>
+              <a:rPr lang="en-US" sz="2800" dirty="0"/>
               <a:t>Has different notations at the ends of the lines</a:t>
             </a:r>
           </a:p>
           <a:p>
             <a:pPr lvl="2"/>
             <a:r>
-              <a:rPr lang="en-US" sz="2800" dirty="0" smtClean="0"/>
+              <a:rPr lang="en-US" sz="2800" dirty="0"/>
               <a:t>Describe how entities are related</a:t>
             </a:r>
           </a:p>
@@ -12124,8 +11972,16 @@
 </file>
 
 <file path=ppt/slides/slide5.xml><?xml version="1.0" encoding="utf-8"?>
-<p:sld xmlns:a="http://schemas.openxmlformats.org/drawingml/2006/main" xmlns:r="http://schemas.openxmlformats.org/officeDocument/2006/relationships" xmlns:p="http://schemas.openxmlformats.org/presentationml/2006/main">
+<p:sld xmlns:a="http://schemas.openxmlformats.org/drawingml/2006/main" xmlns:r="http://schemas.openxmlformats.org/officeDocument/2006/relationships" xmlns:p="http://schemas.openxmlformats.org/presentationml/2006/main" showMasterSp="0">
   <p:cSld>
+    <p:bg>
+      <p:bgPr>
+        <a:solidFill>
+          <a:schemeClr val="tx1"/>
+        </a:solidFill>
+        <a:effectLst/>
+      </p:bgPr>
+    </p:bg>
     <p:spTree>
       <p:nvGrpSpPr>
         <p:cNvPr id="1" name=""/>
@@ -12156,10 +12012,13 @@
           <a:lstStyle/>
           <a:p>
             <a:r>
-              <a:rPr lang="en-US" dirty="0" smtClean="0"/>
+              <a:rPr lang="en-US" dirty="0">
+                <a:solidFill>
+                  <a:schemeClr val="bg1"/>
+                </a:solidFill>
+              </a:rPr>
               <a:t>Crowfoot Notation</a:t>
             </a:r>
-            <a:endParaRPr lang="en-US" dirty="0"/>
           </a:p>
         </p:txBody>
       </p:sp>
@@ -12275,8 +12134,8 @@
         </p:blipFill>
         <p:spPr>
           <a:xfrm>
-            <a:off x="7318537" y="1577974"/>
-            <a:ext cx="2124075" cy="2409825"/>
+            <a:off x="7318537" y="1563686"/>
+            <a:ext cx="2124075" cy="2282825"/>
           </a:xfrm>
           <a:prstGeom prst="rect">
             <a:avLst/>
@@ -12299,7 +12158,7 @@
         </p:blipFill>
         <p:spPr>
           <a:xfrm>
-            <a:off x="9442612" y="1557971"/>
+            <a:off x="9442612" y="1543683"/>
             <a:ext cx="1971675" cy="2524125"/>
           </a:xfrm>
           <a:prstGeom prst="rect">
@@ -12371,7 +12230,7 @@
         </p:blipFill>
         <p:spPr>
           <a:xfrm>
-            <a:off x="5588318" y="4063998"/>
+            <a:off x="5588318" y="4078286"/>
             <a:ext cx="2009775" cy="2514600"/>
           </a:xfrm>
           <a:prstGeom prst="rect">
@@ -12449,10 +12308,9 @@
           <a:lstStyle/>
           <a:p>
             <a:r>
-              <a:rPr lang="en-US" dirty="0" smtClean="0"/>
+              <a:rPr lang="en-US" dirty="0"/>
               <a:t>EXAMPLE</a:t>
             </a:r>
-            <a:endParaRPr lang="en-US" dirty="0"/>
           </a:p>
         </p:txBody>
       </p:sp>
@@ -12472,10 +12330,9 @@
           <a:lstStyle/>
           <a:p>
             <a:r>
-              <a:rPr lang="en-US" dirty="0" smtClean="0"/>
+              <a:rPr lang="en-US" dirty="0"/>
               <a:t>Entities &amp; Relationships</a:t>
             </a:r>
-            <a:endParaRPr lang="en-US" dirty="0"/>
           </a:p>
         </p:txBody>
       </p:sp>
@@ -12489,13 +12346,6 @@
   <p:clrMapOvr>
     <a:masterClrMapping/>
   </p:clrMapOvr>
-  <p:timing>
-    <p:tnLst>
-      <p:par>
-        <p:cTn id="1" dur="indefinite" restart="never" nodeType="tmRoot"/>
-      </p:par>
-    </p:tnLst>
-  </p:timing>
 </p:sld>
 </file>
 
@@ -12532,10 +12382,9 @@
           <a:lstStyle/>
           <a:p>
             <a:r>
-              <a:rPr lang="en-US" dirty="0" smtClean="0"/>
+              <a:rPr lang="en-US" dirty="0"/>
               <a:t>ASSESSMENT</a:t>
             </a:r>
-            <a:endParaRPr lang="en-US" dirty="0"/>
           </a:p>
         </p:txBody>
       </p:sp>
@@ -12601,13 +12450,6 @@
   <p:clrMapOvr>
     <a:masterClrMapping/>
   </p:clrMapOvr>
-  <p:timing>
-    <p:tnLst>
-      <p:par>
-        <p:cTn id="1" dur="indefinite" restart="never" nodeType="tmRoot"/>
-      </p:par>
-    </p:tnLst>
-  </p:timing>
 </p:sld>
 </file>
 
@@ -12644,10 +12486,9 @@
           <a:lstStyle/>
           <a:p>
             <a:r>
-              <a:rPr lang="en-US" dirty="0" smtClean="0"/>
+              <a:rPr lang="en-US" dirty="0"/>
               <a:t>TEAM PROJECT</a:t>
             </a:r>
-            <a:endParaRPr lang="en-US" dirty="0"/>
           </a:p>
         </p:txBody>
       </p:sp>
@@ -12667,7 +12508,7 @@
           <a:lstStyle/>
           <a:p>
             <a:r>
-              <a:rPr lang="en-US" dirty="0" smtClean="0">
+              <a:rPr lang="en-US" dirty="0">
                 <a:solidFill>
                   <a:schemeClr val="bg2">
                     <a:lumMod val="40000"/>
@@ -12677,14 +12518,6 @@
               </a:rPr>
               <a:t>Entities and relationships</a:t>
             </a:r>
-            <a:endParaRPr lang="en-US" dirty="0">
-              <a:solidFill>
-                <a:schemeClr val="bg2">
-                  <a:lumMod val="40000"/>
-                  <a:lumOff val="60000"/>
-                </a:schemeClr>
-              </a:solidFill>
-            </a:endParaRPr>
           </a:p>
         </p:txBody>
       </p:sp>
@@ -12698,13 +12531,6 @@
   <p:clrMapOvr>
     <a:masterClrMapping/>
   </p:clrMapOvr>
-  <p:timing>
-    <p:tnLst>
-      <p:par>
-        <p:cTn id="1" dur="indefinite" restart="never" nodeType="tmRoot"/>
-      </p:par>
-    </p:tnLst>
-  </p:timing>
 </p:sld>
 </file>
 
@@ -12741,10 +12567,9 @@
           <a:lstStyle/>
           <a:p>
             <a:r>
-              <a:rPr lang="en-US" dirty="0" smtClean="0"/>
+              <a:rPr lang="en-US" dirty="0"/>
               <a:t>Normalization</a:t>
             </a:r>
-            <a:endParaRPr lang="en-US" dirty="0"/>
           </a:p>
         </p:txBody>
       </p:sp>
@@ -12766,59 +12591,59 @@
           <a:lstStyle/>
           <a:p>
             <a:r>
-              <a:rPr lang="en-US" sz="2200" dirty="0" smtClean="0"/>
+              <a:rPr lang="en-US" sz="2200" dirty="0"/>
               <a:t>Unbundles overlapping entities</a:t>
             </a:r>
           </a:p>
           <a:p>
             <a:r>
-              <a:rPr lang="en-US" sz="2200" dirty="0" smtClean="0"/>
+              <a:rPr lang="en-US" sz="2200" dirty="0"/>
               <a:t>Data Integrity</a:t>
             </a:r>
           </a:p>
           <a:p>
             <a:pPr lvl="1"/>
             <a:r>
-              <a:rPr lang="en-US" sz="2200" dirty="0" smtClean="0"/>
+              <a:rPr lang="en-US" sz="2200" dirty="0"/>
               <a:t>Minimize Duplication of data</a:t>
             </a:r>
           </a:p>
           <a:p>
             <a:r>
-              <a:rPr lang="en-US" sz="2200" dirty="0" smtClean="0"/>
+              <a:rPr lang="en-US" sz="2200" dirty="0"/>
               <a:t>Referential Integrity</a:t>
             </a:r>
           </a:p>
           <a:p>
             <a:pPr lvl="1"/>
             <a:r>
-              <a:rPr lang="en-US" sz="2200" dirty="0" smtClean="0"/>
+              <a:rPr lang="en-US" sz="2200" dirty="0"/>
               <a:t>Make a change only in one place</a:t>
             </a:r>
           </a:p>
           <a:p>
             <a:r>
-              <a:rPr lang="en-US" sz="2200" dirty="0" smtClean="0"/>
+              <a:rPr lang="en-US" sz="2200" dirty="0"/>
               <a:t>Keyed Data Access</a:t>
             </a:r>
           </a:p>
           <a:p>
             <a:pPr lvl="1"/>
             <a:r>
-              <a:rPr lang="en-US" sz="2200" dirty="0" smtClean="0"/>
+              <a:rPr lang="en-US" sz="2200" dirty="0"/>
               <a:t>Access and manipulate data quickly</a:t>
             </a:r>
           </a:p>
           <a:p>
             <a:r>
-              <a:rPr lang="en-US" sz="2200" dirty="0" smtClean="0"/>
+              <a:rPr lang="en-US" sz="2200" dirty="0"/>
               <a:t>Avoid Anomalies</a:t>
             </a:r>
           </a:p>
           <a:p>
             <a:pPr lvl="1"/>
             <a:r>
-              <a:rPr lang="en-US" sz="2200" dirty="0" smtClean="0"/>
+              <a:rPr lang="en-US" sz="2200" dirty="0"/>
               <a:t>Insert, Update, Delete</a:t>
             </a:r>
           </a:p>
